--- a/Park-e_presentation_v2.pptx
+++ b/Park-e_presentation_v2.pptx
@@ -121,10 +121,6 @@
     </p:ext>
   </p:extLst>
 </p:presentation>
-</file>
-
-<file path=ppt/revisionInfo.xml><?xml version="1.0" encoding="utf-8"?>
-<p1510:revInfo xmlns:a="http://schemas.openxmlformats.org/drawingml/2006/main" xmlns:r="http://schemas.openxmlformats.org/officeDocument/2006/relationships" xmlns:p1510="http://schemas.microsoft.com/office/powerpoint/2015/10/main"/>
 </file>
 
 <file path=ppt/slideLayouts/slideLayout1.xml><?xml version="1.0" encoding="utf-8"?>
@@ -3362,10 +3358,10 @@
             <a:avLst/>
           </a:prstGeom>
           <a:solidFill>
-            <a:srgbClr val="9ACD4C">
-              <a:lumMod val="60000"/>
-              <a:lumOff val="40000"/>
-            </a:srgbClr>
+            <a:schemeClr val="accent6">
+              <a:lumMod val="20000"/>
+              <a:lumOff val="80000"/>
+            </a:schemeClr>
           </a:solidFill>
           <a:ln w="31750" cap="flat" cmpd="sng" algn="ctr">
             <a:solidFill>
@@ -3494,7 +3490,7 @@
         </p:nvSpPr>
         <p:spPr>
           <a:xfrm>
-            <a:off x="171450" y="304800"/>
+            <a:off x="1259032" y="1082601"/>
             <a:ext cx="1286891" cy="369332"/>
           </a:xfrm>
           <a:prstGeom prst="rect">
@@ -3538,7 +3534,7 @@
         </p:nvSpPr>
         <p:spPr>
           <a:xfrm>
-            <a:off x="171450" y="6105525"/>
+            <a:off x="1259032" y="5424122"/>
             <a:ext cx="1170705" cy="369332"/>
           </a:xfrm>
           <a:prstGeom prst="rect">
@@ -3578,7 +3574,7 @@
         </p:nvSpPr>
         <p:spPr>
           <a:xfrm>
-            <a:off x="9143194" y="918051"/>
+            <a:off x="9164145" y="1101188"/>
             <a:ext cx="2804166" cy="646331"/>
           </a:xfrm>
           <a:prstGeom prst="rect">
@@ -3638,7 +3634,7 @@
         </p:nvSpPr>
         <p:spPr>
           <a:xfrm>
-            <a:off x="9791700" y="6105525"/>
+            <a:off x="9159771" y="5476879"/>
             <a:ext cx="2278444" cy="369332"/>
           </a:xfrm>
           <a:prstGeom prst="rect">
@@ -3707,7 +3703,7 @@
         </p:blipFill>
         <p:spPr>
           <a:xfrm rot="14979993">
-            <a:off x="7584339" y="-12268"/>
+            <a:off x="8012891" y="11262"/>
             <a:ext cx="1037540" cy="1926798"/>
           </a:xfrm>
           <a:prstGeom prst="rect">
@@ -3746,7 +3742,7 @@
         </p:blipFill>
         <p:spPr>
           <a:xfrm rot="4192433">
-            <a:off x="8624424" y="1419570"/>
+            <a:off x="8645375" y="1477069"/>
             <a:ext cx="1037540" cy="1926798"/>
           </a:xfrm>
           <a:prstGeom prst="rect">
@@ -3785,7 +3781,7 @@
         </p:blipFill>
         <p:spPr>
           <a:xfrm rot="14979993">
-            <a:off x="2486491" y="3435782"/>
+            <a:off x="2486491" y="3435781"/>
             <a:ext cx="1037540" cy="1926798"/>
           </a:xfrm>
           <a:prstGeom prst="rect">
@@ -3824,8 +3820,731 @@
         </p:blipFill>
         <p:spPr>
           <a:xfrm rot="4192433">
-            <a:off x="3118975" y="4946093"/>
+            <a:off x="3118975" y="5055041"/>
             <a:ext cx="1037540" cy="1926798"/>
+          </a:xfrm>
+          <a:prstGeom prst="rect">
+            <a:avLst/>
+          </a:prstGeom>
+        </p:spPr>
+      </p:pic>
+      <p:pic>
+        <p:nvPicPr>
+          <p:cNvPr id="17" name="Graphic 16" descr="Line Arrow: Counterclockwise curve">
+            <a:extLst>
+              <a:ext uri="{FF2B5EF4-FFF2-40B4-BE49-F238E27FC236}">
+                <a16:creationId xmlns:a16="http://schemas.microsoft.com/office/drawing/2014/main" id="{9B6EDB1A-0A13-4A64-9E8C-D9A2300D2F20}"/>
+              </a:ext>
+            </a:extLst>
+          </p:cNvPr>
+          <p:cNvPicPr>
+            <a:picLocks noChangeAspect="1"/>
+          </p:cNvPicPr>
+          <p:nvPr/>
+        </p:nvPicPr>
+        <p:blipFill>
+          <a:blip r:embed="rId2">
+            <a:extLst>
+              <a:ext uri="{28A0092B-C50C-407E-A947-70E740481C1C}">
+                <a14:useLocalDpi xmlns:a14="http://schemas.microsoft.com/office/drawing/2010/main" val="0"/>
+              </a:ext>
+              <a:ext uri="{96DAC541-7B7A-43D3-8B79-37D633B846F1}">
+                <asvg:svgBlip xmlns:asvg="http://schemas.microsoft.com/office/drawing/2016/SVG/main" r:embed="rId3"/>
+              </a:ext>
+            </a:extLst>
+          </a:blip>
+          <a:stretch>
+            <a:fillRect/>
+          </a:stretch>
+        </p:blipFill>
+        <p:spPr>
+          <a:xfrm rot="7578718">
+            <a:off x="2486603" y="1477069"/>
+            <a:ext cx="1037540" cy="1926798"/>
+          </a:xfrm>
+          <a:prstGeom prst="rect">
+            <a:avLst/>
+          </a:prstGeom>
+        </p:spPr>
+      </p:pic>
+      <p:pic>
+        <p:nvPicPr>
+          <p:cNvPr id="18" name="Graphic 17" descr="Line Arrow: Counterclockwise curve">
+            <a:extLst>
+              <a:ext uri="{FF2B5EF4-FFF2-40B4-BE49-F238E27FC236}">
+                <a16:creationId xmlns:a16="http://schemas.microsoft.com/office/drawing/2014/main" id="{C89BD94D-849C-4AF1-A574-7C2FDCAB56BF}"/>
+              </a:ext>
+            </a:extLst>
+          </p:cNvPr>
+          <p:cNvPicPr>
+            <a:picLocks noChangeAspect="1"/>
+          </p:cNvPicPr>
+          <p:nvPr/>
+        </p:nvPicPr>
+        <p:blipFill>
+          <a:blip r:embed="rId2">
+            <a:extLst>
+              <a:ext uri="{28A0092B-C50C-407E-A947-70E740481C1C}">
+                <a14:useLocalDpi xmlns:a14="http://schemas.microsoft.com/office/drawing/2010/main" val="0"/>
+              </a:ext>
+              <a:ext uri="{96DAC541-7B7A-43D3-8B79-37D633B846F1}">
+                <asvg:svgBlip xmlns:asvg="http://schemas.microsoft.com/office/drawing/2016/SVG/main" r:embed="rId3"/>
+              </a:ext>
+            </a:extLst>
+          </a:blip>
+          <a:stretch>
+            <a:fillRect/>
+          </a:stretch>
+        </p:blipFill>
+        <p:spPr>
+          <a:xfrm rot="18280022">
+            <a:off x="3114601" y="11262"/>
+            <a:ext cx="1037540" cy="1926798"/>
+          </a:xfrm>
+          <a:prstGeom prst="rect">
+            <a:avLst/>
+          </a:prstGeom>
+        </p:spPr>
+      </p:pic>
+      <p:pic>
+        <p:nvPicPr>
+          <p:cNvPr id="19" name="Graphic 18" descr="Line Arrow: Counterclockwise curve">
+            <a:extLst>
+              <a:ext uri="{FF2B5EF4-FFF2-40B4-BE49-F238E27FC236}">
+                <a16:creationId xmlns:a16="http://schemas.microsoft.com/office/drawing/2014/main" id="{FE8EBB4F-569E-451E-8EAA-7903C71CC19C}"/>
+              </a:ext>
+            </a:extLst>
+          </p:cNvPr>
+          <p:cNvPicPr>
+            <a:picLocks noChangeAspect="1"/>
+          </p:cNvPicPr>
+          <p:nvPr/>
+        </p:nvPicPr>
+        <p:blipFill>
+          <a:blip r:embed="rId2">
+            <a:extLst>
+              <a:ext uri="{28A0092B-C50C-407E-A947-70E740481C1C}">
+                <a14:useLocalDpi xmlns:a14="http://schemas.microsoft.com/office/drawing/2010/main" val="0"/>
+              </a:ext>
+              <a:ext uri="{96DAC541-7B7A-43D3-8B79-37D633B846F1}">
+                <asvg:svgBlip xmlns:asvg="http://schemas.microsoft.com/office/drawing/2016/SVG/main" r:embed="rId3"/>
+              </a:ext>
+            </a:extLst>
+          </a:blip>
+          <a:stretch>
+            <a:fillRect/>
+          </a:stretch>
+        </p:blipFill>
+        <p:spPr>
+          <a:xfrm rot="7578718">
+            <a:off x="8013003" y="5055041"/>
+            <a:ext cx="1037540" cy="1926798"/>
+          </a:xfrm>
+          <a:prstGeom prst="rect">
+            <a:avLst/>
+          </a:prstGeom>
+        </p:spPr>
+      </p:pic>
+      <p:pic>
+        <p:nvPicPr>
+          <p:cNvPr id="20" name="Graphic 19" descr="Line Arrow: Counterclockwise curve">
+            <a:extLst>
+              <a:ext uri="{FF2B5EF4-FFF2-40B4-BE49-F238E27FC236}">
+                <a16:creationId xmlns:a16="http://schemas.microsoft.com/office/drawing/2014/main" id="{93E0FE9E-A95B-49B2-8B62-B6961E9D61E6}"/>
+              </a:ext>
+            </a:extLst>
+          </p:cNvPr>
+          <p:cNvPicPr>
+            <a:picLocks noChangeAspect="1"/>
+          </p:cNvPicPr>
+          <p:nvPr/>
+        </p:nvPicPr>
+        <p:blipFill>
+          <a:blip r:embed="rId2">
+            <a:extLst>
+              <a:ext uri="{28A0092B-C50C-407E-A947-70E740481C1C}">
+                <a14:useLocalDpi xmlns:a14="http://schemas.microsoft.com/office/drawing/2010/main" val="0"/>
+              </a:ext>
+              <a:ext uri="{96DAC541-7B7A-43D3-8B79-37D633B846F1}">
+                <asvg:svgBlip xmlns:asvg="http://schemas.microsoft.com/office/drawing/2016/SVG/main" r:embed="rId3"/>
+              </a:ext>
+            </a:extLst>
+          </a:blip>
+          <a:stretch>
+            <a:fillRect/>
+          </a:stretch>
+        </p:blipFill>
+        <p:spPr>
+          <a:xfrm rot="18280022">
+            <a:off x="8641001" y="3589234"/>
+            <a:ext cx="1037540" cy="1926798"/>
+          </a:xfrm>
+          <a:prstGeom prst="rect">
+            <a:avLst/>
+          </a:prstGeom>
+        </p:spPr>
+      </p:pic>
+      <p:pic>
+        <p:nvPicPr>
+          <p:cNvPr id="22" name="Graphic 21" descr="Coins">
+            <a:extLst>
+              <a:ext uri="{FF2B5EF4-FFF2-40B4-BE49-F238E27FC236}">
+                <a16:creationId xmlns:a16="http://schemas.microsoft.com/office/drawing/2014/main" id="{FC64EF80-A736-4714-A3D6-DB968EA5C21D}"/>
+              </a:ext>
+            </a:extLst>
+          </p:cNvPr>
+          <p:cNvPicPr>
+            <a:picLocks noChangeAspect="1"/>
+          </p:cNvPicPr>
+          <p:nvPr/>
+        </p:nvPicPr>
+        <p:blipFill>
+          <a:blip r:embed="rId4">
+            <a:extLst>
+              <a:ext uri="{28A0092B-C50C-407E-A947-70E740481C1C}">
+                <a14:useLocalDpi xmlns:a14="http://schemas.microsoft.com/office/drawing/2010/main" val="0"/>
+              </a:ext>
+              <a:ext uri="{96DAC541-7B7A-43D3-8B79-37D633B846F1}">
+                <asvg:svgBlip xmlns:asvg="http://schemas.microsoft.com/office/drawing/2016/SVG/main" r:embed="rId5"/>
+              </a:ext>
+            </a:extLst>
+          </a:blip>
+          <a:stretch>
+            <a:fillRect/>
+          </a:stretch>
+        </p:blipFill>
+        <p:spPr>
+          <a:xfrm>
+            <a:off x="2554671" y="2571305"/>
+            <a:ext cx="559067" cy="559067"/>
+          </a:xfrm>
+          <a:prstGeom prst="rect">
+            <a:avLst/>
+          </a:prstGeom>
+        </p:spPr>
+      </p:pic>
+      <p:pic>
+        <p:nvPicPr>
+          <p:cNvPr id="24" name="Graphic 23" descr="Upward trend">
+            <a:extLst>
+              <a:ext uri="{FF2B5EF4-FFF2-40B4-BE49-F238E27FC236}">
+                <a16:creationId xmlns:a16="http://schemas.microsoft.com/office/drawing/2014/main" id="{977FEFA5-68E3-4401-8A11-385F3D8302F1}"/>
+              </a:ext>
+            </a:extLst>
+          </p:cNvPr>
+          <p:cNvPicPr>
+            <a:picLocks noChangeAspect="1"/>
+          </p:cNvPicPr>
+          <p:nvPr/>
+        </p:nvPicPr>
+        <p:blipFill>
+          <a:blip r:embed="rId6">
+            <a:extLst>
+              <a:ext uri="{28A0092B-C50C-407E-A947-70E740481C1C}">
+                <a14:useLocalDpi xmlns:a14="http://schemas.microsoft.com/office/drawing/2010/main" val="0"/>
+              </a:ext>
+              <a:ext uri="{96DAC541-7B7A-43D3-8B79-37D633B846F1}">
+                <asvg:svgBlip xmlns:asvg="http://schemas.microsoft.com/office/drawing/2016/SVG/main" r:embed="rId7"/>
+              </a:ext>
+            </a:extLst>
+          </a:blip>
+          <a:stretch>
+            <a:fillRect/>
+          </a:stretch>
+        </p:blipFill>
+        <p:spPr>
+          <a:xfrm>
+            <a:off x="2790191" y="1937754"/>
+            <a:ext cx="559067" cy="559067"/>
+          </a:xfrm>
+          <a:prstGeom prst="rect">
+            <a:avLst/>
+          </a:prstGeom>
+        </p:spPr>
+      </p:pic>
+      <p:pic>
+        <p:nvPicPr>
+          <p:cNvPr id="26" name="Graphic 25" descr="High Voltage">
+            <a:extLst>
+              <a:ext uri="{FF2B5EF4-FFF2-40B4-BE49-F238E27FC236}">
+                <a16:creationId xmlns:a16="http://schemas.microsoft.com/office/drawing/2014/main" id="{39508906-BAB2-4D1F-A3A4-97BAB5FA2D61}"/>
+              </a:ext>
+            </a:extLst>
+          </p:cNvPr>
+          <p:cNvPicPr>
+            <a:picLocks noChangeAspect="1"/>
+          </p:cNvPicPr>
+          <p:nvPr/>
+        </p:nvPicPr>
+        <p:blipFill>
+          <a:blip r:embed="rId8">
+            <a:extLst>
+              <a:ext uri="{28A0092B-C50C-407E-A947-70E740481C1C}">
+                <a14:useLocalDpi xmlns:a14="http://schemas.microsoft.com/office/drawing/2010/main" val="0"/>
+              </a:ext>
+              <a:ext uri="{96DAC541-7B7A-43D3-8B79-37D633B846F1}">
+                <asvg:svgBlip xmlns:asvg="http://schemas.microsoft.com/office/drawing/2016/SVG/main" r:embed="rId9"/>
+              </a:ext>
+            </a:extLst>
+          </a:blip>
+          <a:stretch>
+            <a:fillRect/>
+          </a:stretch>
+        </p:blipFill>
+        <p:spPr>
+          <a:xfrm>
+            <a:off x="3606960" y="1006734"/>
+            <a:ext cx="436741" cy="436741"/>
+          </a:xfrm>
+          <a:prstGeom prst="rect">
+            <a:avLst/>
+          </a:prstGeom>
+        </p:spPr>
+      </p:pic>
+      <p:pic>
+        <p:nvPicPr>
+          <p:cNvPr id="27" name="Graphic 26" descr="Upward trend">
+            <a:extLst>
+              <a:ext uri="{FF2B5EF4-FFF2-40B4-BE49-F238E27FC236}">
+                <a16:creationId xmlns:a16="http://schemas.microsoft.com/office/drawing/2014/main" id="{5DF8F804-F371-4B6E-B436-A87D947A0E0C}"/>
+              </a:ext>
+            </a:extLst>
+          </p:cNvPr>
+          <p:cNvPicPr>
+            <a:picLocks noChangeAspect="1"/>
+          </p:cNvPicPr>
+          <p:nvPr/>
+        </p:nvPicPr>
+        <p:blipFill>
+          <a:blip r:embed="rId6">
+            <a:extLst>
+              <a:ext uri="{28A0092B-C50C-407E-A947-70E740481C1C}">
+                <a14:useLocalDpi xmlns:a14="http://schemas.microsoft.com/office/drawing/2010/main" val="0"/>
+              </a:ext>
+              <a:ext uri="{96DAC541-7B7A-43D3-8B79-37D633B846F1}">
+                <asvg:svgBlip xmlns:asvg="http://schemas.microsoft.com/office/drawing/2016/SVG/main" r:embed="rId7"/>
+              </a:ext>
+            </a:extLst>
+          </a:blip>
+          <a:stretch>
+            <a:fillRect/>
+          </a:stretch>
+        </p:blipFill>
+        <p:spPr>
+          <a:xfrm>
+            <a:off x="8324545" y="5527295"/>
+            <a:ext cx="559067" cy="559067"/>
+          </a:xfrm>
+          <a:prstGeom prst="rect">
+            <a:avLst/>
+          </a:prstGeom>
+        </p:spPr>
+      </p:pic>
+      <p:pic>
+        <p:nvPicPr>
+          <p:cNvPr id="28" name="Graphic 27" descr="Coins">
+            <a:extLst>
+              <a:ext uri="{FF2B5EF4-FFF2-40B4-BE49-F238E27FC236}">
+                <a16:creationId xmlns:a16="http://schemas.microsoft.com/office/drawing/2014/main" id="{BCF512BD-47FB-4C5B-A9FD-017D50DFF7C7}"/>
+              </a:ext>
+            </a:extLst>
+          </p:cNvPr>
+          <p:cNvPicPr>
+            <a:picLocks noChangeAspect="1"/>
+          </p:cNvPicPr>
+          <p:nvPr/>
+        </p:nvPicPr>
+        <p:blipFill>
+          <a:blip r:embed="rId4">
+            <a:extLst>
+              <a:ext uri="{28A0092B-C50C-407E-A947-70E740481C1C}">
+                <a14:useLocalDpi xmlns:a14="http://schemas.microsoft.com/office/drawing/2010/main" val="0"/>
+              </a:ext>
+              <a:ext uri="{96DAC541-7B7A-43D3-8B79-37D633B846F1}">
+                <asvg:svgBlip xmlns:asvg="http://schemas.microsoft.com/office/drawing/2016/SVG/main" r:embed="rId5"/>
+              </a:ext>
+            </a:extLst>
+          </a:blip>
+          <a:stretch>
+            <a:fillRect/>
+          </a:stretch>
+        </p:blipFill>
+        <p:spPr>
+          <a:xfrm>
+            <a:off x="8038160" y="6107580"/>
+            <a:ext cx="559067" cy="559067"/>
+          </a:xfrm>
+          <a:prstGeom prst="rect">
+            <a:avLst/>
+          </a:prstGeom>
+        </p:spPr>
+      </p:pic>
+      <p:pic>
+        <p:nvPicPr>
+          <p:cNvPr id="29" name="Graphic 28" descr="Coins">
+            <a:extLst>
+              <a:ext uri="{FF2B5EF4-FFF2-40B4-BE49-F238E27FC236}">
+                <a16:creationId xmlns:a16="http://schemas.microsoft.com/office/drawing/2014/main" id="{E7569641-F72C-4122-A550-F8B611FD8CF8}"/>
+              </a:ext>
+            </a:extLst>
+          </p:cNvPr>
+          <p:cNvPicPr>
+            <a:picLocks noChangeAspect="1"/>
+          </p:cNvPicPr>
+          <p:nvPr/>
+        </p:nvPicPr>
+        <p:blipFill>
+          <a:blip r:embed="rId4">
+            <a:extLst>
+              <a:ext uri="{28A0092B-C50C-407E-A947-70E740481C1C}">
+                <a14:useLocalDpi xmlns:a14="http://schemas.microsoft.com/office/drawing/2010/main" val="0"/>
+              </a:ext>
+              <a:ext uri="{96DAC541-7B7A-43D3-8B79-37D633B846F1}">
+                <asvg:svgBlip xmlns:asvg="http://schemas.microsoft.com/office/drawing/2016/SVG/main" r:embed="rId5"/>
+              </a:ext>
+            </a:extLst>
+          </a:blip>
+          <a:stretch>
+            <a:fillRect/>
+          </a:stretch>
+        </p:blipFill>
+        <p:spPr>
+          <a:xfrm>
+            <a:off x="8736148" y="1993397"/>
+            <a:ext cx="559067" cy="559067"/>
+          </a:xfrm>
+          <a:prstGeom prst="rect">
+            <a:avLst/>
+          </a:prstGeom>
+        </p:spPr>
+      </p:pic>
+      <p:sp>
+        <p:nvSpPr>
+          <p:cNvPr id="31" name="TextBox 30">
+            <a:extLst>
+              <a:ext uri="{FF2B5EF4-FFF2-40B4-BE49-F238E27FC236}">
+                <a16:creationId xmlns:a16="http://schemas.microsoft.com/office/drawing/2014/main" id="{6F2557A3-2459-44D3-8DE7-E841F2D7D60F}"/>
+              </a:ext>
+            </a:extLst>
+          </p:cNvPr>
+          <p:cNvSpPr txBox="1"/>
+          <p:nvPr/>
+        </p:nvSpPr>
+        <p:spPr>
+          <a:xfrm>
+            <a:off x="3431908" y="248543"/>
+            <a:ext cx="515567" cy="396469"/>
+          </a:xfrm>
+          <a:prstGeom prst="rect">
+            <a:avLst/>
+          </a:prstGeom>
+          <a:solidFill>
+            <a:srgbClr val="00B0F0"/>
+          </a:solidFill>
+          <a:ln w="38100">
+            <a:solidFill>
+              <a:schemeClr val="tx1"/>
+            </a:solidFill>
+          </a:ln>
+        </p:spPr>
+        <p:txBody>
+          <a:bodyPr wrap="square" rtlCol="0">
+            <a:spAutoFit/>
+          </a:bodyPr>
+          <a:lstStyle/>
+          <a:p>
+            <a:r>
+              <a:rPr lang="hu-HU" sz="2000" dirty="0" err="1"/>
+              <a:t>e</a:t>
+            </a:r>
+            <a:r>
+              <a:rPr lang="hu-HU" sz="2000" dirty="0" err="1">
+                <a:solidFill>
+                  <a:schemeClr val="bg1"/>
+                </a:solidFill>
+                <a:latin typeface="Arial" panose="020B0604020202020204" pitchFamily="34" charset="0"/>
+                <a:cs typeface="Arial" panose="020B0604020202020204" pitchFamily="34" charset="0"/>
+              </a:rPr>
+              <a:t>P</a:t>
+            </a:r>
+            <a:endParaRPr lang="en-US" sz="2000" dirty="0">
+              <a:solidFill>
+                <a:schemeClr val="bg1"/>
+              </a:solidFill>
+              <a:latin typeface="Arial" panose="020B0604020202020204" pitchFamily="34" charset="0"/>
+              <a:cs typeface="Arial" panose="020B0604020202020204" pitchFamily="34" charset="0"/>
+            </a:endParaRPr>
+          </a:p>
+        </p:txBody>
+      </p:sp>
+      <p:sp>
+        <p:nvSpPr>
+          <p:cNvPr id="32" name="TextBox 31">
+            <a:extLst>
+              <a:ext uri="{FF2B5EF4-FFF2-40B4-BE49-F238E27FC236}">
+                <a16:creationId xmlns:a16="http://schemas.microsoft.com/office/drawing/2014/main" id="{FE8285FA-493C-4ED4-9868-461B2AB7768A}"/>
+              </a:ext>
+            </a:extLst>
+          </p:cNvPr>
+          <p:cNvSpPr txBox="1"/>
+          <p:nvPr/>
+        </p:nvSpPr>
+        <p:spPr>
+          <a:xfrm>
+            <a:off x="8533300" y="929902"/>
+            <a:ext cx="515567" cy="396469"/>
+          </a:xfrm>
+          <a:prstGeom prst="rect">
+            <a:avLst/>
+          </a:prstGeom>
+          <a:solidFill>
+            <a:srgbClr val="00B0F0"/>
+          </a:solidFill>
+          <a:ln w="38100">
+            <a:solidFill>
+              <a:schemeClr val="tx1"/>
+            </a:solidFill>
+          </a:ln>
+        </p:spPr>
+        <p:txBody>
+          <a:bodyPr wrap="square" rtlCol="0">
+            <a:spAutoFit/>
+          </a:bodyPr>
+          <a:lstStyle/>
+          <a:p>
+            <a:r>
+              <a:rPr lang="hu-HU" sz="2000" dirty="0" err="1"/>
+              <a:t>e</a:t>
+            </a:r>
+            <a:r>
+              <a:rPr lang="hu-HU" sz="2000" dirty="0" err="1">
+                <a:solidFill>
+                  <a:schemeClr val="bg1"/>
+                </a:solidFill>
+                <a:latin typeface="Arial" panose="020B0604020202020204" pitchFamily="34" charset="0"/>
+                <a:cs typeface="Arial" panose="020B0604020202020204" pitchFamily="34" charset="0"/>
+              </a:rPr>
+              <a:t>P</a:t>
+            </a:r>
+            <a:endParaRPr lang="en-US" sz="2000" dirty="0">
+              <a:solidFill>
+                <a:schemeClr val="bg1"/>
+              </a:solidFill>
+              <a:latin typeface="Arial" panose="020B0604020202020204" pitchFamily="34" charset="0"/>
+              <a:cs typeface="Arial" panose="020B0604020202020204" pitchFamily="34" charset="0"/>
+            </a:endParaRPr>
+          </a:p>
+        </p:txBody>
+      </p:sp>
+      <p:sp>
+        <p:nvSpPr>
+          <p:cNvPr id="33" name="TextBox 32">
+            <a:extLst>
+              <a:ext uri="{FF2B5EF4-FFF2-40B4-BE49-F238E27FC236}">
+                <a16:creationId xmlns:a16="http://schemas.microsoft.com/office/drawing/2014/main" id="{2FCF3B0C-E6D0-4063-BE16-0ECD4B9CA357}"/>
+              </a:ext>
+            </a:extLst>
+          </p:cNvPr>
+          <p:cNvSpPr txBox="1"/>
+          <p:nvPr/>
+        </p:nvSpPr>
+        <p:spPr>
+          <a:xfrm>
+            <a:off x="3206865" y="5661545"/>
+            <a:ext cx="515567" cy="396469"/>
+          </a:xfrm>
+          <a:prstGeom prst="rect">
+            <a:avLst/>
+          </a:prstGeom>
+          <a:solidFill>
+            <a:srgbClr val="00B0F0"/>
+          </a:solidFill>
+          <a:ln w="38100">
+            <a:solidFill>
+              <a:schemeClr val="tx1"/>
+            </a:solidFill>
+          </a:ln>
+        </p:spPr>
+        <p:txBody>
+          <a:bodyPr wrap="square" rtlCol="0">
+            <a:spAutoFit/>
+          </a:bodyPr>
+          <a:lstStyle/>
+          <a:p>
+            <a:r>
+              <a:rPr lang="hu-HU" sz="2000" dirty="0" err="1"/>
+              <a:t>e</a:t>
+            </a:r>
+            <a:r>
+              <a:rPr lang="hu-HU" sz="2000" dirty="0" err="1">
+                <a:solidFill>
+                  <a:schemeClr val="bg1"/>
+                </a:solidFill>
+                <a:latin typeface="Arial" panose="020B0604020202020204" pitchFamily="34" charset="0"/>
+                <a:cs typeface="Arial" panose="020B0604020202020204" pitchFamily="34" charset="0"/>
+              </a:rPr>
+              <a:t>P</a:t>
+            </a:r>
+            <a:endParaRPr lang="en-US" sz="2000" dirty="0">
+              <a:solidFill>
+                <a:schemeClr val="bg1"/>
+              </a:solidFill>
+              <a:latin typeface="Arial" panose="020B0604020202020204" pitchFamily="34" charset="0"/>
+              <a:cs typeface="Arial" panose="020B0604020202020204" pitchFamily="34" charset="0"/>
+            </a:endParaRPr>
+          </a:p>
+        </p:txBody>
+      </p:sp>
+      <p:pic>
+        <p:nvPicPr>
+          <p:cNvPr id="34" name="Graphic 33" descr="Upward trend">
+            <a:extLst>
+              <a:ext uri="{FF2B5EF4-FFF2-40B4-BE49-F238E27FC236}">
+                <a16:creationId xmlns:a16="http://schemas.microsoft.com/office/drawing/2014/main" id="{C38ACD99-7B08-4ADF-9F7D-B8D167AA10EF}"/>
+              </a:ext>
+            </a:extLst>
+          </p:cNvPr>
+          <p:cNvPicPr>
+            <a:picLocks noChangeAspect="1"/>
+          </p:cNvPicPr>
+          <p:nvPr/>
+        </p:nvPicPr>
+        <p:blipFill>
+          <a:blip r:embed="rId6">
+            <a:extLst>
+              <a:ext uri="{28A0092B-C50C-407E-A947-70E740481C1C}">
+                <a14:useLocalDpi xmlns:a14="http://schemas.microsoft.com/office/drawing/2010/main" val="0"/>
+              </a:ext>
+              <a:ext uri="{96DAC541-7B7A-43D3-8B79-37D633B846F1}">
+                <asvg:svgBlip xmlns:asvg="http://schemas.microsoft.com/office/drawing/2016/SVG/main" r:embed="rId7"/>
+              </a:ext>
+            </a:extLst>
+          </a:blip>
+          <a:stretch>
+            <a:fillRect/>
+          </a:stretch>
+        </p:blipFill>
+        <p:spPr>
+          <a:xfrm>
+            <a:off x="3545796" y="6193186"/>
+            <a:ext cx="559067" cy="559067"/>
+          </a:xfrm>
+          <a:prstGeom prst="rect">
+            <a:avLst/>
+          </a:prstGeom>
+        </p:spPr>
+      </p:pic>
+      <p:pic>
+        <p:nvPicPr>
+          <p:cNvPr id="35" name="Graphic 34" descr="High Voltage">
+            <a:extLst>
+              <a:ext uri="{FF2B5EF4-FFF2-40B4-BE49-F238E27FC236}">
+                <a16:creationId xmlns:a16="http://schemas.microsoft.com/office/drawing/2014/main" id="{981A437D-38F6-4CBD-8449-12B49E9828C7}"/>
+              </a:ext>
+            </a:extLst>
+          </p:cNvPr>
+          <p:cNvPicPr>
+            <a:picLocks noChangeAspect="1"/>
+          </p:cNvPicPr>
+          <p:nvPr/>
+        </p:nvPicPr>
+        <p:blipFill>
+          <a:blip r:embed="rId8">
+            <a:extLst>
+              <a:ext uri="{28A0092B-C50C-407E-A947-70E740481C1C}">
+                <a14:useLocalDpi xmlns:a14="http://schemas.microsoft.com/office/drawing/2010/main" val="0"/>
+              </a:ext>
+              <a:ext uri="{96DAC541-7B7A-43D3-8B79-37D633B846F1}">
+                <asvg:svgBlip xmlns:asvg="http://schemas.microsoft.com/office/drawing/2016/SVG/main" r:embed="rId9"/>
+              </a:ext>
+            </a:extLst>
+          </a:blip>
+          <a:stretch>
+            <a:fillRect/>
+          </a:stretch>
+        </p:blipFill>
+        <p:spPr>
+          <a:xfrm>
+            <a:off x="9191446" y="3933113"/>
+            <a:ext cx="436741" cy="436741"/>
+          </a:xfrm>
+          <a:prstGeom prst="rect">
+            <a:avLst/>
+          </a:prstGeom>
+        </p:spPr>
+      </p:pic>
+      <p:pic>
+        <p:nvPicPr>
+          <p:cNvPr id="36" name="Graphic 35" descr="Coins">
+            <a:extLst>
+              <a:ext uri="{FF2B5EF4-FFF2-40B4-BE49-F238E27FC236}">
+                <a16:creationId xmlns:a16="http://schemas.microsoft.com/office/drawing/2014/main" id="{16F8CAFC-F95C-4C1D-801A-D9796DF63597}"/>
+              </a:ext>
+            </a:extLst>
+          </p:cNvPr>
+          <p:cNvPicPr>
+            <a:picLocks noChangeAspect="1"/>
+          </p:cNvPicPr>
+          <p:nvPr/>
+        </p:nvPicPr>
+        <p:blipFill>
+          <a:blip r:embed="rId4">
+            <a:extLst>
+              <a:ext uri="{28A0092B-C50C-407E-A947-70E740481C1C}">
+                <a14:useLocalDpi xmlns:a14="http://schemas.microsoft.com/office/drawing/2010/main" val="0"/>
+              </a:ext>
+              <a:ext uri="{96DAC541-7B7A-43D3-8B79-37D633B846F1}">
+                <asvg:svgBlip xmlns:asvg="http://schemas.microsoft.com/office/drawing/2016/SVG/main" r:embed="rId5"/>
+              </a:ext>
+            </a:extLst>
+          </a:blip>
+          <a:stretch>
+            <a:fillRect/>
+          </a:stretch>
+        </p:blipFill>
+        <p:spPr>
+          <a:xfrm>
+            <a:off x="2540171" y="3635290"/>
+            <a:ext cx="559067" cy="559067"/>
+          </a:xfrm>
+          <a:prstGeom prst="rect">
+            <a:avLst/>
+          </a:prstGeom>
+        </p:spPr>
+      </p:pic>
+      <p:pic>
+        <p:nvPicPr>
+          <p:cNvPr id="37" name="Graphic 36" descr="Upward trend">
+            <a:extLst>
+              <a:ext uri="{FF2B5EF4-FFF2-40B4-BE49-F238E27FC236}">
+                <a16:creationId xmlns:a16="http://schemas.microsoft.com/office/drawing/2014/main" id="{D2DE35C8-6F75-4CAF-89FA-A9917A126058}"/>
+              </a:ext>
+            </a:extLst>
+          </p:cNvPr>
+          <p:cNvPicPr>
+            <a:picLocks noChangeAspect="1"/>
+          </p:cNvPicPr>
+          <p:nvPr/>
+        </p:nvPicPr>
+        <p:blipFill>
+          <a:blip r:embed="rId6">
+            <a:extLst>
+              <a:ext uri="{28A0092B-C50C-407E-A947-70E740481C1C}">
+                <a14:useLocalDpi xmlns:a14="http://schemas.microsoft.com/office/drawing/2010/main" val="0"/>
+              </a:ext>
+              <a:ext uri="{96DAC541-7B7A-43D3-8B79-37D633B846F1}">
+                <asvg:svgBlip xmlns:asvg="http://schemas.microsoft.com/office/drawing/2016/SVG/main" r:embed="rId7"/>
+              </a:ext>
+            </a:extLst>
+          </a:blip>
+          <a:stretch>
+            <a:fillRect/>
+          </a:stretch>
+        </p:blipFill>
+        <p:spPr>
+          <a:xfrm>
+            <a:off x="2849785" y="4290126"/>
+            <a:ext cx="559067" cy="559067"/>
           </a:xfrm>
           <a:prstGeom prst="rect">
             <a:avLst/>

--- a/Park-e_presentation_v2.pptx
+++ b/Park-e_presentation_v2.pptx
@@ -5,7 +5,9 @@
     <p:sldMasterId id="2147483648" r:id="rId1"/>
   </p:sldMasterIdLst>
   <p:sldIdLst>
-    <p:sldId id="256" r:id="rId2"/>
+    <p:sldId id="257" r:id="rId2"/>
+    <p:sldId id="258" r:id="rId3"/>
+    <p:sldId id="259" r:id="rId4"/>
   </p:sldIdLst>
   <p:sldSz cx="12192000" cy="6858000"/>
   <p:notesSz cx="6858000" cy="9144000"/>
@@ -3426,7 +3428,7 @@
         <p:spPr>
           <a:xfrm>
             <a:off x="5164334" y="2850839"/>
-            <a:ext cx="1863331" cy="892552"/>
+            <a:ext cx="2053191" cy="892552"/>
           </a:xfrm>
           <a:prstGeom prst="rect">
             <a:avLst/>
@@ -3447,13 +3449,15 @@
                     <a:lumMod val="75000"/>
                   </a:schemeClr>
                 </a:solidFill>
-                <a:latin typeface="Tw Cen MT" panose="020B0602020104020603"/>
+                <a:latin typeface="Tahoma" panose="020B0604030504040204" pitchFamily="34" charset="0"/>
+                <a:ea typeface="Tahoma" panose="020B0604030504040204" pitchFamily="34" charset="0"/>
+                <a:cs typeface="Tahoma" panose="020B0604030504040204" pitchFamily="34" charset="0"/>
               </a:rPr>
               <a:t>Park – E</a:t>
             </a:r>
           </a:p>
           <a:p>
-            <a:pPr defTabSz="457200"/>
+            <a:pPr algn="ctr" defTabSz="457200"/>
             <a:r>
               <a:rPr lang="hu-HU" sz="1200" dirty="0">
                 <a:solidFill>
@@ -3461,7 +3465,9 @@
                     <a:lumMod val="75000"/>
                   </a:schemeClr>
                 </a:solidFill>
-                <a:latin typeface="Tw Cen MT" panose="020B0602020104020603"/>
+                <a:latin typeface="Tahoma" panose="020B0604030504040204" pitchFamily="34" charset="0"/>
+                <a:ea typeface="Tahoma" panose="020B0604030504040204" pitchFamily="34" charset="0"/>
+                <a:cs typeface="Tahoma" panose="020B0604030504040204" pitchFamily="34" charset="0"/>
               </a:rPr>
               <a:t>GO GREEN – PARK GREEN</a:t>
             </a:r>
@@ -3471,7 +3477,9 @@
                   <a:lumMod val="75000"/>
                 </a:schemeClr>
               </a:solidFill>
-              <a:latin typeface="Tw Cen MT" panose="020B0602020104020603"/>
+              <a:latin typeface="Tahoma" panose="020B0604030504040204" pitchFamily="34" charset="0"/>
+              <a:ea typeface="Tahoma" panose="020B0604030504040204" pitchFamily="34" charset="0"/>
+              <a:cs typeface="Tahoma" panose="020B0604030504040204" pitchFamily="34" charset="0"/>
             </a:endParaRPr>
           </a:p>
         </p:txBody>
@@ -3490,13 +3498,21 @@
         </p:nvSpPr>
         <p:spPr>
           <a:xfrm>
-            <a:off x="1259032" y="1082601"/>
-            <a:ext cx="1286891" cy="369332"/>
+            <a:off x="251379" y="831060"/>
+            <a:ext cx="1798056" cy="461665"/>
           </a:xfrm>
           <a:prstGeom prst="rect">
             <a:avLst/>
           </a:prstGeom>
           <a:noFill/>
+          <a:ln w="25400">
+            <a:solidFill>
+              <a:schemeClr val="accent6">
+                <a:lumMod val="75000"/>
+                <a:alpha val="98000"/>
+              </a:schemeClr>
+            </a:solidFill>
+          </a:ln>
         </p:spPr>
         <p:txBody>
           <a:bodyPr wrap="none" rtlCol="0">
@@ -3505,18 +3521,54 @@
           <a:lstStyle/>
           <a:p>
             <a:r>
-              <a:rPr lang="hu-HU" dirty="0"/>
+              <a:rPr lang="hu-HU" sz="2400" dirty="0">
+                <a:solidFill>
+                  <a:schemeClr val="accent6">
+                    <a:lumMod val="75000"/>
+                  </a:schemeClr>
+                </a:solidFill>
+                <a:latin typeface="Tahoma" panose="020B0604030504040204" pitchFamily="34" charset="0"/>
+                <a:ea typeface="Tahoma" panose="020B0604030504040204" pitchFamily="34" charset="0"/>
+                <a:cs typeface="Tahoma" panose="020B0604030504040204" pitchFamily="34" charset="0"/>
+              </a:rPr>
               <a:t>E-</a:t>
             </a:r>
             <a:r>
-              <a:rPr lang="hu-HU" dirty="0" err="1"/>
+              <a:rPr lang="hu-HU" sz="2400" dirty="0" err="1">
+                <a:solidFill>
+                  <a:schemeClr val="accent6">
+                    <a:lumMod val="75000"/>
+                  </a:schemeClr>
+                </a:solidFill>
+                <a:latin typeface="Tahoma" panose="020B0604030504040204" pitchFamily="34" charset="0"/>
+                <a:ea typeface="Tahoma" panose="020B0604030504040204" pitchFamily="34" charset="0"/>
+                <a:cs typeface="Tahoma" panose="020B0604030504040204" pitchFamily="34" charset="0"/>
+              </a:rPr>
               <a:t>Car</a:t>
             </a:r>
             <a:r>
-              <a:rPr lang="hu-HU" dirty="0"/>
+              <a:rPr lang="hu-HU" sz="2400" dirty="0">
+                <a:solidFill>
+                  <a:schemeClr val="accent6">
+                    <a:lumMod val="75000"/>
+                  </a:schemeClr>
+                </a:solidFill>
+                <a:latin typeface="Tahoma" panose="020B0604030504040204" pitchFamily="34" charset="0"/>
+                <a:ea typeface="Tahoma" panose="020B0604030504040204" pitchFamily="34" charset="0"/>
+                <a:cs typeface="Tahoma" panose="020B0604030504040204" pitchFamily="34" charset="0"/>
+              </a:rPr>
               <a:t> driver</a:t>
             </a:r>
-            <a:endParaRPr lang="en-US" dirty="0"/>
+            <a:endParaRPr lang="en-US" sz="2400" dirty="0">
+              <a:solidFill>
+                <a:schemeClr val="accent6">
+                  <a:lumMod val="75000"/>
+                </a:schemeClr>
+              </a:solidFill>
+              <a:latin typeface="Tahoma" panose="020B0604030504040204" pitchFamily="34" charset="0"/>
+              <a:ea typeface="Tahoma" panose="020B0604030504040204" pitchFamily="34" charset="0"/>
+              <a:cs typeface="Tahoma" panose="020B0604030504040204" pitchFamily="34" charset="0"/>
+            </a:endParaRPr>
           </a:p>
         </p:txBody>
       </p:sp>
@@ -3534,13 +3586,20 @@
         </p:nvSpPr>
         <p:spPr>
           <a:xfrm>
-            <a:off x="1259032" y="5424122"/>
-            <a:ext cx="1170705" cy="369332"/>
+            <a:off x="348460" y="5265948"/>
+            <a:ext cx="1599412" cy="461665"/>
           </a:xfrm>
           <a:prstGeom prst="rect">
             <a:avLst/>
           </a:prstGeom>
           <a:noFill/>
+          <a:ln w="25400">
+            <a:solidFill>
+              <a:schemeClr val="accent6">
+                <a:lumMod val="75000"/>
+              </a:schemeClr>
+            </a:solidFill>
+          </a:ln>
         </p:spPr>
         <p:txBody>
           <a:bodyPr wrap="none" rtlCol="0">
@@ -3549,14 +3608,41 @@
           <a:lstStyle/>
           <a:p>
             <a:r>
-              <a:rPr lang="hu-HU" dirty="0" err="1"/>
+              <a:rPr lang="hu-HU" sz="2400" dirty="0" err="1">
+                <a:solidFill>
+                  <a:schemeClr val="accent6">
+                    <a:lumMod val="75000"/>
+                  </a:schemeClr>
+                </a:solidFill>
+                <a:latin typeface="Tahoma" panose="020B0604030504040204" pitchFamily="34" charset="0"/>
+                <a:ea typeface="Tahoma" panose="020B0604030504040204" pitchFamily="34" charset="0"/>
+                <a:cs typeface="Tahoma" panose="020B0604030504040204" pitchFamily="34" charset="0"/>
+              </a:rPr>
               <a:t>Green</a:t>
             </a:r>
             <a:r>
-              <a:rPr lang="hu-HU" dirty="0"/>
+              <a:rPr lang="hu-HU" sz="2400" dirty="0">
+                <a:solidFill>
+                  <a:schemeClr val="accent6">
+                    <a:lumMod val="75000"/>
+                  </a:schemeClr>
+                </a:solidFill>
+                <a:latin typeface="Tahoma" panose="020B0604030504040204" pitchFamily="34" charset="0"/>
+                <a:ea typeface="Tahoma" panose="020B0604030504040204" pitchFamily="34" charset="0"/>
+                <a:cs typeface="Tahoma" panose="020B0604030504040204" pitchFamily="34" charset="0"/>
+              </a:rPr>
               <a:t> City</a:t>
             </a:r>
-            <a:endParaRPr lang="en-US" dirty="0"/>
+            <a:endParaRPr lang="en-US" sz="2400" dirty="0">
+              <a:solidFill>
+                <a:schemeClr val="accent6">
+                  <a:lumMod val="75000"/>
+                </a:schemeClr>
+              </a:solidFill>
+              <a:latin typeface="Tahoma" panose="020B0604030504040204" pitchFamily="34" charset="0"/>
+              <a:ea typeface="Tahoma" panose="020B0604030504040204" pitchFamily="34" charset="0"/>
+              <a:cs typeface="Tahoma" panose="020B0604030504040204" pitchFamily="34" charset="0"/>
+            </a:endParaRPr>
           </a:p>
         </p:txBody>
       </p:sp>
@@ -3574,13 +3660,20 @@
         </p:nvSpPr>
         <p:spPr>
           <a:xfrm>
-            <a:off x="9164145" y="1101188"/>
-            <a:ext cx="2804166" cy="646331"/>
+            <a:off x="9660747" y="461729"/>
+            <a:ext cx="1996059" cy="1200329"/>
           </a:xfrm>
           <a:prstGeom prst="rect">
             <a:avLst/>
           </a:prstGeom>
           <a:noFill/>
+          <a:ln w="25400">
+            <a:solidFill>
+              <a:schemeClr val="accent6">
+                <a:lumMod val="75000"/>
+              </a:schemeClr>
+            </a:solidFill>
+          </a:ln>
         </p:spPr>
         <p:txBody>
           <a:bodyPr wrap="none" rtlCol="0">
@@ -3589,34 +3682,121 @@
           <a:lstStyle/>
           <a:p>
             <a:r>
-              <a:rPr lang="hu-HU" dirty="0" err="1"/>
+              <a:rPr lang="hu-HU" sz="2400" dirty="0" err="1">
+                <a:solidFill>
+                  <a:schemeClr val="accent6">
+                    <a:lumMod val="75000"/>
+                  </a:schemeClr>
+                </a:solidFill>
+                <a:latin typeface="Tahoma" panose="020B0604030504040204" pitchFamily="34" charset="0"/>
+                <a:ea typeface="Tahoma" panose="020B0604030504040204" pitchFamily="34" charset="0"/>
+                <a:cs typeface="Tahoma" panose="020B0604030504040204" pitchFamily="34" charset="0"/>
+              </a:rPr>
               <a:t>Green</a:t>
             </a:r>
             <a:r>
-              <a:rPr lang="hu-HU" dirty="0"/>
+              <a:rPr lang="hu-HU" sz="2400" dirty="0">
+                <a:solidFill>
+                  <a:schemeClr val="accent6">
+                    <a:lumMod val="75000"/>
+                  </a:schemeClr>
+                </a:solidFill>
+                <a:latin typeface="Tahoma" panose="020B0604030504040204" pitchFamily="34" charset="0"/>
+                <a:ea typeface="Tahoma" panose="020B0604030504040204" pitchFamily="34" charset="0"/>
+                <a:cs typeface="Tahoma" panose="020B0604030504040204" pitchFamily="34" charset="0"/>
+              </a:rPr>
               <a:t> </a:t>
             </a:r>
             <a:r>
-              <a:rPr lang="hu-HU" dirty="0" err="1"/>
+              <a:rPr lang="hu-HU" sz="2400" dirty="0" err="1">
+                <a:solidFill>
+                  <a:schemeClr val="accent6">
+                    <a:lumMod val="75000"/>
+                  </a:schemeClr>
+                </a:solidFill>
+                <a:latin typeface="Tahoma" panose="020B0604030504040204" pitchFamily="34" charset="0"/>
+                <a:ea typeface="Tahoma" panose="020B0604030504040204" pitchFamily="34" charset="0"/>
+                <a:cs typeface="Tahoma" panose="020B0604030504040204" pitchFamily="34" charset="0"/>
+              </a:rPr>
               <a:t>home</a:t>
             </a:r>
             <a:r>
-              <a:rPr lang="hu-HU" dirty="0"/>
-              <a:t> / parking </a:t>
-            </a:r>
-            <a:r>
-              <a:rPr lang="hu-HU" dirty="0" err="1"/>
+              <a:rPr lang="hu-HU" sz="2400" dirty="0">
+                <a:solidFill>
+                  <a:schemeClr val="accent6">
+                    <a:lumMod val="75000"/>
+                  </a:schemeClr>
+                </a:solidFill>
+                <a:latin typeface="Tahoma" panose="020B0604030504040204" pitchFamily="34" charset="0"/>
+                <a:ea typeface="Tahoma" panose="020B0604030504040204" pitchFamily="34" charset="0"/>
+                <a:cs typeface="Tahoma" panose="020B0604030504040204" pitchFamily="34" charset="0"/>
+              </a:rPr>
+              <a:t> </a:t>
+            </a:r>
+          </a:p>
+          <a:p>
+            <a:r>
+              <a:rPr lang="hu-HU" sz="2400" dirty="0">
+                <a:solidFill>
+                  <a:schemeClr val="accent6">
+                    <a:lumMod val="75000"/>
+                  </a:schemeClr>
+                </a:solidFill>
+                <a:latin typeface="Tahoma" panose="020B0604030504040204" pitchFamily="34" charset="0"/>
+                <a:ea typeface="Tahoma" panose="020B0604030504040204" pitchFamily="34" charset="0"/>
+                <a:cs typeface="Tahoma" panose="020B0604030504040204" pitchFamily="34" charset="0"/>
+              </a:rPr>
+              <a:t>parking </a:t>
+            </a:r>
+            <a:r>
+              <a:rPr lang="hu-HU" sz="2400" dirty="0" err="1">
+                <a:solidFill>
+                  <a:schemeClr val="accent6">
+                    <a:lumMod val="75000"/>
+                  </a:schemeClr>
+                </a:solidFill>
+                <a:latin typeface="Tahoma" panose="020B0604030504040204" pitchFamily="34" charset="0"/>
+                <a:ea typeface="Tahoma" panose="020B0604030504040204" pitchFamily="34" charset="0"/>
+                <a:cs typeface="Tahoma" panose="020B0604030504040204" pitchFamily="34" charset="0"/>
+              </a:rPr>
               <a:t>place</a:t>
             </a:r>
-            <a:endParaRPr lang="hu-HU" dirty="0"/>
+            <a:endParaRPr lang="hu-HU" sz="2400" dirty="0">
+              <a:solidFill>
+                <a:schemeClr val="accent6">
+                  <a:lumMod val="75000"/>
+                </a:schemeClr>
+              </a:solidFill>
+              <a:latin typeface="Tahoma" panose="020B0604030504040204" pitchFamily="34" charset="0"/>
+              <a:ea typeface="Tahoma" panose="020B0604030504040204" pitchFamily="34" charset="0"/>
+              <a:cs typeface="Tahoma" panose="020B0604030504040204" pitchFamily="34" charset="0"/>
+            </a:endParaRPr>
           </a:p>
           <a:p>
             <a:pPr algn="ctr"/>
             <a:r>
-              <a:rPr lang="hu-HU" dirty="0" err="1"/>
+              <a:rPr lang="hu-HU" sz="2400" dirty="0" err="1">
+                <a:solidFill>
+                  <a:schemeClr val="accent6">
+                    <a:lumMod val="75000"/>
+                  </a:schemeClr>
+                </a:solidFill>
+                <a:latin typeface="Tahoma" panose="020B0604030504040204" pitchFamily="34" charset="0"/>
+                <a:ea typeface="Tahoma" panose="020B0604030504040204" pitchFamily="34" charset="0"/>
+                <a:cs typeface="Tahoma" panose="020B0604030504040204" pitchFamily="34" charset="0"/>
+              </a:rPr>
               <a:t>owner</a:t>
             </a:r>
-            <a:endParaRPr lang="en-US" dirty="0"/>
+            <a:endParaRPr lang="en-US" sz="2400" dirty="0">
+              <a:solidFill>
+                <a:schemeClr val="accent6">
+                  <a:lumMod val="75000"/>
+                </a:schemeClr>
+              </a:solidFill>
+              <a:latin typeface="Tahoma" panose="020B0604030504040204" pitchFamily="34" charset="0"/>
+              <a:ea typeface="Tahoma" panose="020B0604030504040204" pitchFamily="34" charset="0"/>
+              <a:cs typeface="Tahoma" panose="020B0604030504040204" pitchFamily="34" charset="0"/>
+            </a:endParaRPr>
           </a:p>
         </p:txBody>
       </p:sp>
@@ -3634,13 +3814,20 @@
         </p:nvSpPr>
         <p:spPr>
           <a:xfrm>
-            <a:off x="9159771" y="5476879"/>
-            <a:ext cx="2278444" cy="369332"/>
+            <a:off x="9660747" y="5081281"/>
+            <a:ext cx="2029979" cy="830997"/>
           </a:xfrm>
           <a:prstGeom prst="rect">
             <a:avLst/>
           </a:prstGeom>
           <a:noFill/>
+          <a:ln w="25400">
+            <a:solidFill>
+              <a:schemeClr val="accent6">
+                <a:lumMod val="75000"/>
+              </a:schemeClr>
+            </a:solidFill>
+          </a:ln>
         </p:spPr>
         <p:txBody>
           <a:bodyPr wrap="none" rtlCol="0">
@@ -3649,26 +3836,80 @@
           <a:lstStyle/>
           <a:p>
             <a:r>
-              <a:rPr lang="hu-HU" dirty="0" err="1"/>
+              <a:rPr lang="hu-HU" sz="2400" dirty="0" err="1">
+                <a:solidFill>
+                  <a:schemeClr val="accent6">
+                    <a:lumMod val="75000"/>
+                  </a:schemeClr>
+                </a:solidFill>
+                <a:latin typeface="Tahoma" panose="020B0604030504040204" pitchFamily="34" charset="0"/>
+                <a:ea typeface="Tahoma" panose="020B0604030504040204" pitchFamily="34" charset="0"/>
+                <a:cs typeface="Tahoma" panose="020B0604030504040204" pitchFamily="34" charset="0"/>
+              </a:rPr>
               <a:t>Green</a:t>
             </a:r>
             <a:r>
-              <a:rPr lang="hu-HU" dirty="0"/>
+              <a:rPr lang="hu-HU" sz="2400" dirty="0">
+                <a:solidFill>
+                  <a:schemeClr val="accent6">
+                    <a:lumMod val="75000"/>
+                  </a:schemeClr>
+                </a:solidFill>
+                <a:latin typeface="Tahoma" panose="020B0604030504040204" pitchFamily="34" charset="0"/>
+                <a:ea typeface="Tahoma" panose="020B0604030504040204" pitchFamily="34" charset="0"/>
+                <a:cs typeface="Tahoma" panose="020B0604030504040204" pitchFamily="34" charset="0"/>
+              </a:rPr>
               <a:t> </a:t>
             </a:r>
             <a:r>
-              <a:rPr lang="hu-HU" dirty="0" err="1"/>
+              <a:rPr lang="hu-HU" sz="2400" dirty="0" err="1">
+                <a:solidFill>
+                  <a:schemeClr val="accent6">
+                    <a:lumMod val="75000"/>
+                  </a:schemeClr>
+                </a:solidFill>
+                <a:latin typeface="Tahoma" panose="020B0604030504040204" pitchFamily="34" charset="0"/>
+                <a:ea typeface="Tahoma" panose="020B0604030504040204" pitchFamily="34" charset="0"/>
+                <a:cs typeface="Tahoma" panose="020B0604030504040204" pitchFamily="34" charset="0"/>
+              </a:rPr>
               <a:t>Energy</a:t>
             </a:r>
-            <a:r>
-              <a:rPr lang="hu-HU" dirty="0"/>
-              <a:t> </a:t>
-            </a:r>
-            <a:r>
-              <a:rPr lang="hu-HU" dirty="0" err="1"/>
+            <a:endParaRPr lang="hu-HU" sz="2400" dirty="0">
+              <a:solidFill>
+                <a:schemeClr val="accent6">
+                  <a:lumMod val="75000"/>
+                </a:schemeClr>
+              </a:solidFill>
+              <a:latin typeface="Tahoma" panose="020B0604030504040204" pitchFamily="34" charset="0"/>
+              <a:ea typeface="Tahoma" panose="020B0604030504040204" pitchFamily="34" charset="0"/>
+              <a:cs typeface="Tahoma" panose="020B0604030504040204" pitchFamily="34" charset="0"/>
+            </a:endParaRPr>
+          </a:p>
+          <a:p>
+            <a:pPr algn="ctr"/>
+            <a:r>
+              <a:rPr lang="hu-HU" sz="2400" dirty="0" err="1">
+                <a:solidFill>
+                  <a:schemeClr val="accent6">
+                    <a:lumMod val="75000"/>
+                  </a:schemeClr>
+                </a:solidFill>
+                <a:latin typeface="Tahoma" panose="020B0604030504040204" pitchFamily="34" charset="0"/>
+                <a:ea typeface="Tahoma" panose="020B0604030504040204" pitchFamily="34" charset="0"/>
+                <a:cs typeface="Tahoma" panose="020B0604030504040204" pitchFamily="34" charset="0"/>
+              </a:rPr>
               <a:t>Supplier</a:t>
             </a:r>
-            <a:endParaRPr lang="en-US" dirty="0"/>
+            <a:endParaRPr lang="en-US" sz="2400" dirty="0">
+              <a:solidFill>
+                <a:schemeClr val="accent6">
+                  <a:lumMod val="75000"/>
+                </a:schemeClr>
+              </a:solidFill>
+              <a:latin typeface="Tahoma" panose="020B0604030504040204" pitchFamily="34" charset="0"/>
+              <a:ea typeface="Tahoma" panose="020B0604030504040204" pitchFamily="34" charset="0"/>
+              <a:cs typeface="Tahoma" panose="020B0604030504040204" pitchFamily="34" charset="0"/>
+            </a:endParaRPr>
           </a:p>
         </p:txBody>
       </p:sp>
@@ -3888,7 +4129,7 @@
                 <a14:useLocalDpi xmlns:a14="http://schemas.microsoft.com/office/drawing/2010/main" val="0"/>
               </a:ext>
               <a:ext uri="{96DAC541-7B7A-43D3-8B79-37D633B846F1}">
-                <asvg:svgBlip xmlns:asvg="http://schemas.microsoft.com/office/drawing/2016/SVG/main" r:embed="rId3"/>
+                <asvg:svgBlip xmlns:asvg="http://schemas.microsoft.com/office/drawing/2016/SVG/main" r:embed="rId4"/>
               </a:ext>
             </a:extLst>
           </a:blip>
@@ -3999,13 +4240,13 @@
           <p:nvPr/>
         </p:nvPicPr>
         <p:blipFill>
-          <a:blip r:embed="rId4">
+          <a:blip r:embed="rId5">
             <a:extLst>
               <a:ext uri="{28A0092B-C50C-407E-A947-70E740481C1C}">
                 <a14:useLocalDpi xmlns:a14="http://schemas.microsoft.com/office/drawing/2010/main" val="0"/>
               </a:ext>
               <a:ext uri="{96DAC541-7B7A-43D3-8B79-37D633B846F1}">
-                <asvg:svgBlip xmlns:asvg="http://schemas.microsoft.com/office/drawing/2016/SVG/main" r:embed="rId5"/>
+                <asvg:svgBlip xmlns:asvg="http://schemas.microsoft.com/office/drawing/2016/SVG/main" r:embed="rId6"/>
               </a:ext>
             </a:extLst>
           </a:blip>
@@ -4015,7 +4256,7 @@
         </p:blipFill>
         <p:spPr>
           <a:xfrm>
-            <a:off x="2554671" y="2571305"/>
+            <a:off x="2519243" y="2516142"/>
             <a:ext cx="559067" cy="559067"/>
           </a:xfrm>
           <a:prstGeom prst="rect">
@@ -4038,13 +4279,13 @@
           <p:nvPr/>
         </p:nvPicPr>
         <p:blipFill>
-          <a:blip r:embed="rId6">
+          <a:blip r:embed="rId7">
             <a:extLst>
               <a:ext uri="{28A0092B-C50C-407E-A947-70E740481C1C}">
                 <a14:useLocalDpi xmlns:a14="http://schemas.microsoft.com/office/drawing/2010/main" val="0"/>
               </a:ext>
               <a:ext uri="{96DAC541-7B7A-43D3-8B79-37D633B846F1}">
-                <asvg:svgBlip xmlns:asvg="http://schemas.microsoft.com/office/drawing/2016/SVG/main" r:embed="rId7"/>
+                <asvg:svgBlip xmlns:asvg="http://schemas.microsoft.com/office/drawing/2016/SVG/main" r:embed="rId8"/>
               </a:ext>
             </a:extLst>
           </a:blip>
@@ -4054,7 +4295,7 @@
         </p:blipFill>
         <p:spPr>
           <a:xfrm>
-            <a:off x="2790191" y="1937754"/>
+            <a:off x="2848199" y="2020351"/>
             <a:ext cx="559067" cy="559067"/>
           </a:xfrm>
           <a:prstGeom prst="rect">
@@ -4077,13 +4318,13 @@
           <p:nvPr/>
         </p:nvPicPr>
         <p:blipFill>
-          <a:blip r:embed="rId8">
+          <a:blip r:embed="rId9">
             <a:extLst>
               <a:ext uri="{28A0092B-C50C-407E-A947-70E740481C1C}">
                 <a14:useLocalDpi xmlns:a14="http://schemas.microsoft.com/office/drawing/2010/main" val="0"/>
               </a:ext>
               <a:ext uri="{96DAC541-7B7A-43D3-8B79-37D633B846F1}">
-                <asvg:svgBlip xmlns:asvg="http://schemas.microsoft.com/office/drawing/2016/SVG/main" r:embed="rId9"/>
+                <asvg:svgBlip xmlns:asvg="http://schemas.microsoft.com/office/drawing/2016/SVG/main" r:embed="rId10"/>
               </a:ext>
             </a:extLst>
           </a:blip>
@@ -4093,7 +4334,7 @@
         </p:blipFill>
         <p:spPr>
           <a:xfrm>
-            <a:off x="3606960" y="1006734"/>
+            <a:off x="3351002" y="843524"/>
             <a:ext cx="436741" cy="436741"/>
           </a:xfrm>
           <a:prstGeom prst="rect">
@@ -4116,13 +4357,13 @@
           <p:nvPr/>
         </p:nvPicPr>
         <p:blipFill>
-          <a:blip r:embed="rId6">
+          <a:blip r:embed="rId7">
             <a:extLst>
               <a:ext uri="{28A0092B-C50C-407E-A947-70E740481C1C}">
                 <a14:useLocalDpi xmlns:a14="http://schemas.microsoft.com/office/drawing/2010/main" val="0"/>
               </a:ext>
               <a:ext uri="{96DAC541-7B7A-43D3-8B79-37D633B846F1}">
-                <asvg:svgBlip xmlns:asvg="http://schemas.microsoft.com/office/drawing/2016/SVG/main" r:embed="rId7"/>
+                <asvg:svgBlip xmlns:asvg="http://schemas.microsoft.com/office/drawing/2016/SVG/main" r:embed="rId8"/>
               </a:ext>
             </a:extLst>
           </a:blip>
@@ -4132,7 +4373,7 @@
         </p:blipFill>
         <p:spPr>
           <a:xfrm>
-            <a:off x="8324545" y="5527295"/>
+            <a:off x="8375210" y="5548394"/>
             <a:ext cx="559067" cy="559067"/>
           </a:xfrm>
           <a:prstGeom prst="rect">
@@ -4155,13 +4396,13 @@
           <p:nvPr/>
         </p:nvPicPr>
         <p:blipFill>
-          <a:blip r:embed="rId4">
+          <a:blip r:embed="rId5">
             <a:extLst>
               <a:ext uri="{28A0092B-C50C-407E-A947-70E740481C1C}">
                 <a14:useLocalDpi xmlns:a14="http://schemas.microsoft.com/office/drawing/2010/main" val="0"/>
               </a:ext>
               <a:ext uri="{96DAC541-7B7A-43D3-8B79-37D633B846F1}">
-                <asvg:svgBlip xmlns:asvg="http://schemas.microsoft.com/office/drawing/2016/SVG/main" r:embed="rId5"/>
+                <asvg:svgBlip xmlns:asvg="http://schemas.microsoft.com/office/drawing/2016/SVG/main" r:embed="rId6"/>
               </a:ext>
             </a:extLst>
           </a:blip>
@@ -4171,7 +4412,7 @@
         </p:blipFill>
         <p:spPr>
           <a:xfrm>
-            <a:off x="8038160" y="6107580"/>
+            <a:off x="7972594" y="6056293"/>
             <a:ext cx="559067" cy="559067"/>
           </a:xfrm>
           <a:prstGeom prst="rect">
@@ -4194,13 +4435,13 @@
           <p:nvPr/>
         </p:nvPicPr>
         <p:blipFill>
-          <a:blip r:embed="rId4">
+          <a:blip r:embed="rId5">
             <a:extLst>
               <a:ext uri="{28A0092B-C50C-407E-A947-70E740481C1C}">
                 <a14:useLocalDpi xmlns:a14="http://schemas.microsoft.com/office/drawing/2010/main" val="0"/>
               </a:ext>
               <a:ext uri="{96DAC541-7B7A-43D3-8B79-37D633B846F1}">
-                <asvg:svgBlip xmlns:asvg="http://schemas.microsoft.com/office/drawing/2016/SVG/main" r:embed="rId5"/>
+                <asvg:svgBlip xmlns:asvg="http://schemas.microsoft.com/office/drawing/2016/SVG/main" r:embed="rId6"/>
               </a:ext>
             </a:extLst>
           </a:blip>
@@ -4210,7 +4451,7 @@
         </p:blipFill>
         <p:spPr>
           <a:xfrm>
-            <a:off x="8736148" y="1993397"/>
+            <a:off x="8837791" y="1976642"/>
             <a:ext cx="559067" cy="559067"/>
           </a:xfrm>
           <a:prstGeom prst="rect">
@@ -4232,7 +4473,7 @@
         </p:nvSpPr>
         <p:spPr>
           <a:xfrm>
-            <a:off x="3431908" y="248543"/>
+            <a:off x="3738839" y="405239"/>
             <a:ext cx="515567" cy="396469"/>
           </a:xfrm>
           <a:prstGeom prst="rect">
@@ -4291,7 +4532,7 @@
         </p:nvSpPr>
         <p:spPr>
           <a:xfrm>
-            <a:off x="8533300" y="929902"/>
+            <a:off x="8441305" y="932760"/>
             <a:ext cx="515567" cy="396469"/>
           </a:xfrm>
           <a:prstGeom prst="rect">
@@ -4350,7 +4591,7 @@
         </p:nvSpPr>
         <p:spPr>
           <a:xfrm>
-            <a:off x="3206865" y="5661545"/>
+            <a:off x="3311590" y="5623445"/>
             <a:ext cx="515567" cy="396469"/>
           </a:xfrm>
           <a:prstGeom prst="rect">
@@ -4410,13 +4651,13 @@
           <p:nvPr/>
         </p:nvPicPr>
         <p:blipFill>
-          <a:blip r:embed="rId6">
+          <a:blip r:embed="rId7">
             <a:extLst>
               <a:ext uri="{28A0092B-C50C-407E-A947-70E740481C1C}">
                 <a14:useLocalDpi xmlns:a14="http://schemas.microsoft.com/office/drawing/2010/main" val="0"/>
               </a:ext>
               <a:ext uri="{96DAC541-7B7A-43D3-8B79-37D633B846F1}">
-                <asvg:svgBlip xmlns:asvg="http://schemas.microsoft.com/office/drawing/2016/SVG/main" r:embed="rId7"/>
+                <asvg:svgBlip xmlns:asvg="http://schemas.microsoft.com/office/drawing/2016/SVG/main" r:embed="rId8"/>
               </a:ext>
             </a:extLst>
           </a:blip>
@@ -4426,7 +4667,7 @@
         </p:blipFill>
         <p:spPr>
           <a:xfrm>
-            <a:off x="3545796" y="6193186"/>
+            <a:off x="3717089" y="6107461"/>
             <a:ext cx="559067" cy="559067"/>
           </a:xfrm>
           <a:prstGeom prst="rect">
@@ -4440,6 +4681,1636 @@
             <a:extLst>
               <a:ext uri="{FF2B5EF4-FFF2-40B4-BE49-F238E27FC236}">
                 <a16:creationId xmlns:a16="http://schemas.microsoft.com/office/drawing/2014/main" id="{981A437D-38F6-4CBD-8449-12B49E9828C7}"/>
+              </a:ext>
+            </a:extLst>
+          </p:cNvPr>
+          <p:cNvPicPr>
+            <a:picLocks noChangeAspect="1"/>
+          </p:cNvPicPr>
+          <p:nvPr/>
+        </p:nvPicPr>
+        <p:blipFill>
+          <a:blip r:embed="rId9">
+            <a:extLst>
+              <a:ext uri="{28A0092B-C50C-407E-A947-70E740481C1C}">
+                <a14:useLocalDpi xmlns:a14="http://schemas.microsoft.com/office/drawing/2010/main" val="0"/>
+              </a:ext>
+              <a:ext uri="{96DAC541-7B7A-43D3-8B79-37D633B846F1}">
+                <asvg:svgBlip xmlns:asvg="http://schemas.microsoft.com/office/drawing/2016/SVG/main" r:embed="rId10"/>
+              </a:ext>
+            </a:extLst>
+          </a:blip>
+          <a:stretch>
+            <a:fillRect/>
+          </a:stretch>
+        </p:blipFill>
+        <p:spPr>
+          <a:xfrm>
+            <a:off x="9117324" y="3867197"/>
+            <a:ext cx="436741" cy="436741"/>
+          </a:xfrm>
+          <a:prstGeom prst="rect">
+            <a:avLst/>
+          </a:prstGeom>
+        </p:spPr>
+      </p:pic>
+      <p:pic>
+        <p:nvPicPr>
+          <p:cNvPr id="36" name="Graphic 35" descr="Coins">
+            <a:extLst>
+              <a:ext uri="{FF2B5EF4-FFF2-40B4-BE49-F238E27FC236}">
+                <a16:creationId xmlns:a16="http://schemas.microsoft.com/office/drawing/2014/main" id="{16F8CAFC-F95C-4C1D-801A-D9796DF63597}"/>
+              </a:ext>
+            </a:extLst>
+          </p:cNvPr>
+          <p:cNvPicPr>
+            <a:picLocks noChangeAspect="1"/>
+          </p:cNvPicPr>
+          <p:nvPr/>
+        </p:nvPicPr>
+        <p:blipFill>
+          <a:blip r:embed="rId5">
+            <a:extLst>
+              <a:ext uri="{28A0092B-C50C-407E-A947-70E740481C1C}">
+                <a14:useLocalDpi xmlns:a14="http://schemas.microsoft.com/office/drawing/2010/main" val="0"/>
+              </a:ext>
+              <a:ext uri="{96DAC541-7B7A-43D3-8B79-37D633B846F1}">
+                <asvg:svgBlip xmlns:asvg="http://schemas.microsoft.com/office/drawing/2016/SVG/main" r:embed="rId6"/>
+              </a:ext>
+            </a:extLst>
+          </a:blip>
+          <a:stretch>
+            <a:fillRect/>
+          </a:stretch>
+        </p:blipFill>
+        <p:spPr>
+          <a:xfrm>
+            <a:off x="2519243" y="3673390"/>
+            <a:ext cx="559067" cy="559067"/>
+          </a:xfrm>
+          <a:prstGeom prst="rect">
+            <a:avLst/>
+          </a:prstGeom>
+        </p:spPr>
+      </p:pic>
+      <p:pic>
+        <p:nvPicPr>
+          <p:cNvPr id="37" name="Graphic 36" descr="Upward trend">
+            <a:extLst>
+              <a:ext uri="{FF2B5EF4-FFF2-40B4-BE49-F238E27FC236}">
+                <a16:creationId xmlns:a16="http://schemas.microsoft.com/office/drawing/2014/main" id="{D2DE35C8-6F75-4CAF-89FA-A9917A126058}"/>
+              </a:ext>
+            </a:extLst>
+          </p:cNvPr>
+          <p:cNvPicPr>
+            <a:picLocks noChangeAspect="1"/>
+          </p:cNvPicPr>
+          <p:nvPr/>
+        </p:nvPicPr>
+        <p:blipFill>
+          <a:blip r:embed="rId7">
+            <a:extLst>
+              <a:ext uri="{28A0092B-C50C-407E-A947-70E740481C1C}">
+                <a14:useLocalDpi xmlns:a14="http://schemas.microsoft.com/office/drawing/2010/main" val="0"/>
+              </a:ext>
+              <a:ext uri="{96DAC541-7B7A-43D3-8B79-37D633B846F1}">
+                <asvg:svgBlip xmlns:asvg="http://schemas.microsoft.com/office/drawing/2016/SVG/main" r:embed="rId8"/>
+              </a:ext>
+            </a:extLst>
+          </a:blip>
+          <a:stretch>
+            <a:fillRect/>
+          </a:stretch>
+        </p:blipFill>
+        <p:spPr>
+          <a:xfrm>
+            <a:off x="2848199" y="4271076"/>
+            <a:ext cx="559067" cy="559067"/>
+          </a:xfrm>
+          <a:prstGeom prst="rect">
+            <a:avLst/>
+          </a:prstGeom>
+        </p:spPr>
+      </p:pic>
+    </p:spTree>
+    <p:extLst>
+      <p:ext uri="{BB962C8B-B14F-4D97-AF65-F5344CB8AC3E}">
+        <p14:creationId xmlns:p14="http://schemas.microsoft.com/office/powerpoint/2010/main" val="3423947556"/>
+      </p:ext>
+    </p:extLst>
+  </p:cSld>
+  <p:clrMapOvr>
+    <a:masterClrMapping/>
+  </p:clrMapOvr>
+</p:sld>
+</file>
+
+<file path=ppt/slides/slide2.xml><?xml version="1.0" encoding="utf-8"?>
+<p:sld xmlns:a="http://schemas.openxmlformats.org/drawingml/2006/main" xmlns:r="http://schemas.openxmlformats.org/officeDocument/2006/relationships" xmlns:p="http://schemas.openxmlformats.org/presentationml/2006/main">
+  <p:cSld>
+    <p:spTree>
+      <p:nvGrpSpPr>
+        <p:cNvPr id="1" name=""/>
+        <p:cNvGrpSpPr/>
+        <p:nvPr/>
+      </p:nvGrpSpPr>
+      <p:grpSpPr>
+        <a:xfrm>
+          <a:off x="0" y="0"/>
+          <a:ext cx="0" cy="0"/>
+          <a:chOff x="0" y="0"/>
+          <a:chExt cx="0" cy="0"/>
+        </a:xfrm>
+      </p:grpSpPr>
+      <p:sp>
+        <p:nvSpPr>
+          <p:cNvPr id="4" name="Oval 3">
+            <a:extLst>
+              <a:ext uri="{FF2B5EF4-FFF2-40B4-BE49-F238E27FC236}">
+                <a16:creationId xmlns:a16="http://schemas.microsoft.com/office/drawing/2014/main" id="{A8D6DCAA-B56E-4A0F-AD3B-17B458719A51}"/>
+              </a:ext>
+            </a:extLst>
+          </p:cNvPr>
+          <p:cNvSpPr/>
+          <p:nvPr/>
+        </p:nvSpPr>
+        <p:spPr>
+          <a:xfrm>
+            <a:off x="4088892" y="1424354"/>
+            <a:ext cx="4014216" cy="4009293"/>
+          </a:xfrm>
+          <a:prstGeom prst="ellipse">
+            <a:avLst/>
+          </a:prstGeom>
+          <a:solidFill>
+            <a:schemeClr val="accent6">
+              <a:lumMod val="20000"/>
+              <a:lumOff val="80000"/>
+            </a:schemeClr>
+          </a:solidFill>
+          <a:ln w="31750" cap="flat" cmpd="sng" algn="ctr">
+            <a:solidFill>
+              <a:srgbClr val="9ACD4C">
+                <a:shade val="50000"/>
+              </a:srgbClr>
+            </a:solidFill>
+            <a:prstDash val="solid"/>
+          </a:ln>
+          <a:effectLst/>
+        </p:spPr>
+        <p:txBody>
+          <a:bodyPr rtlCol="0" anchor="ctr"/>
+          <a:lstStyle/>
+          <a:p>
+            <a:pPr marL="0" marR="0" lvl="0" indent="0" algn="ctr" defTabSz="457200" eaLnBrk="1" fontAlgn="auto" latinLnBrk="0" hangingPunct="1">
+              <a:lnSpc>
+                <a:spcPct val="100000"/>
+              </a:lnSpc>
+              <a:spcBef>
+                <a:spcPts val="0"/>
+              </a:spcBef>
+              <a:spcAft>
+                <a:spcPts val="0"/>
+              </a:spcAft>
+              <a:buClrTx/>
+              <a:buSzTx/>
+              <a:buFontTx/>
+              <a:buNone/>
+              <a:tabLst/>
+              <a:defRPr/>
+            </a:pPr>
+            <a:endParaRPr kumimoji="0" lang="en-US" sz="1800" b="0" i="0" u="none" strike="noStrike" kern="0" cap="none" spc="0" normalizeH="0" baseline="0" noProof="0" dirty="0">
+              <a:ln>
+                <a:noFill/>
+              </a:ln>
+              <a:solidFill>
+                <a:prstClr val="white"/>
+              </a:solidFill>
+              <a:effectLst/>
+              <a:uLnTx/>
+              <a:uFillTx/>
+              <a:latin typeface="Tw Cen MT" panose="020B0602020104020603"/>
+              <a:ea typeface="+mn-ea"/>
+              <a:cs typeface="+mn-cs"/>
+            </a:endParaRPr>
+          </a:p>
+        </p:txBody>
+      </p:sp>
+      <p:sp>
+        <p:nvSpPr>
+          <p:cNvPr id="5" name="TextBox 4">
+            <a:extLst>
+              <a:ext uri="{FF2B5EF4-FFF2-40B4-BE49-F238E27FC236}">
+                <a16:creationId xmlns:a16="http://schemas.microsoft.com/office/drawing/2014/main" id="{3D1E72BB-B33B-4DDE-AA59-78A9E08C1185}"/>
+              </a:ext>
+            </a:extLst>
+          </p:cNvPr>
+          <p:cNvSpPr txBox="1"/>
+          <p:nvPr/>
+        </p:nvSpPr>
+        <p:spPr>
+          <a:xfrm>
+            <a:off x="4895191" y="1974756"/>
+            <a:ext cx="2401619" cy="2908489"/>
+          </a:xfrm>
+          <a:prstGeom prst="rect">
+            <a:avLst/>
+          </a:prstGeom>
+          <a:noFill/>
+        </p:spPr>
+        <p:txBody>
+          <a:bodyPr wrap="none" rtlCol="0" anchor="ctr">
+            <a:spAutoFit/>
+          </a:bodyPr>
+          <a:lstStyle/>
+          <a:p>
+            <a:pPr defTabSz="457200"/>
+            <a:r>
+              <a:rPr lang="hu-HU" sz="4000" u="sng" dirty="0">
+                <a:solidFill>
+                  <a:schemeClr val="accent6">
+                    <a:lumMod val="75000"/>
+                  </a:schemeClr>
+                </a:solidFill>
+                <a:latin typeface="Tahoma" panose="020B0604030504040204" pitchFamily="34" charset="0"/>
+                <a:ea typeface="Tahoma" panose="020B0604030504040204" pitchFamily="34" charset="0"/>
+                <a:cs typeface="Tahoma" panose="020B0604030504040204" pitchFamily="34" charset="0"/>
+              </a:rPr>
+              <a:t>Park – E</a:t>
+            </a:r>
+          </a:p>
+          <a:p>
+            <a:pPr algn="ctr" defTabSz="457200"/>
+            <a:r>
+              <a:rPr lang="hu-HU" sz="1200" dirty="0">
+                <a:solidFill>
+                  <a:schemeClr val="accent6">
+                    <a:lumMod val="75000"/>
+                  </a:schemeClr>
+                </a:solidFill>
+                <a:latin typeface="Tahoma" panose="020B0604030504040204" pitchFamily="34" charset="0"/>
+                <a:ea typeface="Tahoma" panose="020B0604030504040204" pitchFamily="34" charset="0"/>
+                <a:cs typeface="Tahoma" panose="020B0604030504040204" pitchFamily="34" charset="0"/>
+              </a:rPr>
+              <a:t>GO GREEN – PARK GREEN</a:t>
+            </a:r>
+          </a:p>
+          <a:p>
+            <a:pPr algn="ctr" defTabSz="457200"/>
+            <a:endParaRPr lang="hu-HU" sz="1200" dirty="0">
+              <a:solidFill>
+                <a:schemeClr val="accent6">
+                  <a:lumMod val="75000"/>
+                </a:schemeClr>
+              </a:solidFill>
+              <a:latin typeface="Tahoma" panose="020B0604030504040204" pitchFamily="34" charset="0"/>
+              <a:ea typeface="Tahoma" panose="020B0604030504040204" pitchFamily="34" charset="0"/>
+              <a:cs typeface="Tahoma" panose="020B0604030504040204" pitchFamily="34" charset="0"/>
+            </a:endParaRPr>
+          </a:p>
+          <a:p>
+            <a:pPr algn="ctr" defTabSz="457200"/>
+            <a:r>
+              <a:rPr lang="hu-HU" sz="2400" b="1" dirty="0" err="1">
+                <a:solidFill>
+                  <a:srgbClr val="0070C0"/>
+                </a:solidFill>
+                <a:latin typeface="Tahoma" panose="020B0604030504040204" pitchFamily="34" charset="0"/>
+                <a:ea typeface="Tahoma" panose="020B0604030504040204" pitchFamily="34" charset="0"/>
+                <a:cs typeface="Tahoma" panose="020B0604030504040204" pitchFamily="34" charset="0"/>
+              </a:rPr>
+              <a:t>Predix</a:t>
+            </a:r>
+            <a:r>
+              <a:rPr lang="hu-HU" sz="2400" b="1" dirty="0">
+                <a:solidFill>
+                  <a:srgbClr val="0070C0"/>
+                </a:solidFill>
+                <a:latin typeface="Tahoma" panose="020B0604030504040204" pitchFamily="34" charset="0"/>
+                <a:ea typeface="Tahoma" panose="020B0604030504040204" pitchFamily="34" charset="0"/>
+                <a:cs typeface="Tahoma" panose="020B0604030504040204" pitchFamily="34" charset="0"/>
+              </a:rPr>
+              <a:t> </a:t>
+            </a:r>
+            <a:r>
+              <a:rPr lang="hu-HU" sz="2400" b="1" dirty="0" err="1">
+                <a:solidFill>
+                  <a:srgbClr val="0070C0"/>
+                </a:solidFill>
+                <a:latin typeface="Tahoma" panose="020B0604030504040204" pitchFamily="34" charset="0"/>
+                <a:ea typeface="Tahoma" panose="020B0604030504040204" pitchFamily="34" charset="0"/>
+                <a:cs typeface="Tahoma" panose="020B0604030504040204" pitchFamily="34" charset="0"/>
+              </a:rPr>
+              <a:t>cloud</a:t>
+            </a:r>
+            <a:endParaRPr lang="hu-HU" sz="2400" b="1" dirty="0">
+              <a:solidFill>
+                <a:srgbClr val="0070C0"/>
+              </a:solidFill>
+              <a:latin typeface="Tahoma" panose="020B0604030504040204" pitchFamily="34" charset="0"/>
+              <a:ea typeface="Tahoma" panose="020B0604030504040204" pitchFamily="34" charset="0"/>
+              <a:cs typeface="Tahoma" panose="020B0604030504040204" pitchFamily="34" charset="0"/>
+            </a:endParaRPr>
+          </a:p>
+          <a:p>
+            <a:pPr algn="ctr" defTabSz="457200"/>
+            <a:r>
+              <a:rPr lang="hu-HU" dirty="0" err="1">
+                <a:solidFill>
+                  <a:srgbClr val="0070C0"/>
+                </a:solidFill>
+                <a:latin typeface="Tahoma" panose="020B0604030504040204" pitchFamily="34" charset="0"/>
+                <a:ea typeface="Tahoma" panose="020B0604030504040204" pitchFamily="34" charset="0"/>
+                <a:cs typeface="Tahoma" panose="020B0604030504040204" pitchFamily="34" charset="0"/>
+              </a:rPr>
+              <a:t>Timeseries</a:t>
+            </a:r>
+            <a:endParaRPr lang="hu-HU" dirty="0">
+              <a:solidFill>
+                <a:srgbClr val="0070C0"/>
+              </a:solidFill>
+              <a:latin typeface="Tahoma" panose="020B0604030504040204" pitchFamily="34" charset="0"/>
+              <a:ea typeface="Tahoma" panose="020B0604030504040204" pitchFamily="34" charset="0"/>
+              <a:cs typeface="Tahoma" panose="020B0604030504040204" pitchFamily="34" charset="0"/>
+            </a:endParaRPr>
+          </a:p>
+          <a:p>
+            <a:pPr algn="ctr" defTabSz="457200"/>
+            <a:r>
+              <a:rPr lang="hu-HU" dirty="0" err="1">
+                <a:solidFill>
+                  <a:srgbClr val="0070C0"/>
+                </a:solidFill>
+                <a:latin typeface="Tahoma" panose="020B0604030504040204" pitchFamily="34" charset="0"/>
+                <a:ea typeface="Tahoma" panose="020B0604030504040204" pitchFamily="34" charset="0"/>
+                <a:cs typeface="Tahoma" panose="020B0604030504040204" pitchFamily="34" charset="0"/>
+              </a:rPr>
+              <a:t>Services</a:t>
+            </a:r>
+            <a:endParaRPr lang="hu-HU" dirty="0">
+              <a:solidFill>
+                <a:srgbClr val="0070C0"/>
+              </a:solidFill>
+              <a:latin typeface="Tahoma" panose="020B0604030504040204" pitchFamily="34" charset="0"/>
+              <a:ea typeface="Tahoma" panose="020B0604030504040204" pitchFamily="34" charset="0"/>
+              <a:cs typeface="Tahoma" panose="020B0604030504040204" pitchFamily="34" charset="0"/>
+            </a:endParaRPr>
+          </a:p>
+          <a:p>
+            <a:pPr algn="ctr" defTabSz="457200">
+              <a:spcAft>
+                <a:spcPts val="600"/>
+              </a:spcAft>
+            </a:pPr>
+            <a:r>
+              <a:rPr lang="hu-HU" dirty="0">
+                <a:solidFill>
+                  <a:srgbClr val="0070C0"/>
+                </a:solidFill>
+                <a:latin typeface="Tahoma" panose="020B0604030504040204" pitchFamily="34" charset="0"/>
+                <a:ea typeface="Tahoma" panose="020B0604030504040204" pitchFamily="34" charset="0"/>
+                <a:cs typeface="Tahoma" panose="020B0604030504040204" pitchFamily="34" charset="0"/>
+              </a:rPr>
+              <a:t>PREDIX UI </a:t>
+            </a:r>
+            <a:r>
+              <a:rPr lang="hu-HU" dirty="0" err="1">
+                <a:solidFill>
+                  <a:srgbClr val="0070C0"/>
+                </a:solidFill>
+                <a:latin typeface="Tahoma" panose="020B0604030504040204" pitchFamily="34" charset="0"/>
+                <a:ea typeface="Tahoma" panose="020B0604030504040204" pitchFamily="34" charset="0"/>
+                <a:cs typeface="Tahoma" panose="020B0604030504040204" pitchFamily="34" charset="0"/>
+              </a:rPr>
+              <a:t>elements</a:t>
+            </a:r>
+            <a:endParaRPr lang="hu-HU" dirty="0">
+              <a:solidFill>
+                <a:srgbClr val="0070C0"/>
+              </a:solidFill>
+              <a:latin typeface="Tahoma" panose="020B0604030504040204" pitchFamily="34" charset="0"/>
+              <a:ea typeface="Tahoma" panose="020B0604030504040204" pitchFamily="34" charset="0"/>
+              <a:cs typeface="Tahoma" panose="020B0604030504040204" pitchFamily="34" charset="0"/>
+            </a:endParaRPr>
+          </a:p>
+          <a:p>
+            <a:pPr algn="ctr" defTabSz="457200"/>
+            <a:r>
+              <a:rPr lang="hu-HU" sz="2400" b="1" dirty="0">
+                <a:solidFill>
+                  <a:srgbClr val="0070C0"/>
+                </a:solidFill>
+                <a:latin typeface="Tahoma" panose="020B0604030504040204" pitchFamily="34" charset="0"/>
+                <a:ea typeface="Tahoma" panose="020B0604030504040204" pitchFamily="34" charset="0"/>
+                <a:cs typeface="Tahoma" panose="020B0604030504040204" pitchFamily="34" charset="0"/>
+              </a:rPr>
+              <a:t>CITI IQ API</a:t>
+            </a:r>
+          </a:p>
+          <a:p>
+            <a:pPr algn="ctr" defTabSz="457200"/>
+            <a:endParaRPr lang="en-US" sz="1200" dirty="0">
+              <a:solidFill>
+                <a:srgbClr val="0070C0"/>
+              </a:solidFill>
+              <a:latin typeface="Tahoma" panose="020B0604030504040204" pitchFamily="34" charset="0"/>
+              <a:ea typeface="Tahoma" panose="020B0604030504040204" pitchFamily="34" charset="0"/>
+              <a:cs typeface="Tahoma" panose="020B0604030504040204" pitchFamily="34" charset="0"/>
+            </a:endParaRPr>
+          </a:p>
+        </p:txBody>
+      </p:sp>
+      <p:sp>
+        <p:nvSpPr>
+          <p:cNvPr id="6" name="TextBox 5">
+            <a:extLst>
+              <a:ext uri="{FF2B5EF4-FFF2-40B4-BE49-F238E27FC236}">
+                <a16:creationId xmlns:a16="http://schemas.microsoft.com/office/drawing/2014/main" id="{C1B515A0-96A1-4EF8-BF37-5EC73D0C383C}"/>
+              </a:ext>
+            </a:extLst>
+          </p:cNvPr>
+          <p:cNvSpPr txBox="1"/>
+          <p:nvPr/>
+        </p:nvSpPr>
+        <p:spPr>
+          <a:xfrm>
+            <a:off x="251379" y="831060"/>
+            <a:ext cx="1798056" cy="461665"/>
+          </a:xfrm>
+          <a:prstGeom prst="rect">
+            <a:avLst/>
+          </a:prstGeom>
+          <a:noFill/>
+          <a:ln w="25400">
+            <a:solidFill>
+              <a:schemeClr val="accent6">
+                <a:lumMod val="75000"/>
+                <a:alpha val="98000"/>
+              </a:schemeClr>
+            </a:solidFill>
+          </a:ln>
+        </p:spPr>
+        <p:txBody>
+          <a:bodyPr wrap="none" rtlCol="0">
+            <a:spAutoFit/>
+          </a:bodyPr>
+          <a:lstStyle/>
+          <a:p>
+            <a:r>
+              <a:rPr lang="hu-HU" sz="2400" dirty="0">
+                <a:solidFill>
+                  <a:schemeClr val="accent6">
+                    <a:lumMod val="75000"/>
+                  </a:schemeClr>
+                </a:solidFill>
+                <a:latin typeface="Tahoma" panose="020B0604030504040204" pitchFamily="34" charset="0"/>
+                <a:ea typeface="Tahoma" panose="020B0604030504040204" pitchFamily="34" charset="0"/>
+                <a:cs typeface="Tahoma" panose="020B0604030504040204" pitchFamily="34" charset="0"/>
+              </a:rPr>
+              <a:t>E-</a:t>
+            </a:r>
+            <a:r>
+              <a:rPr lang="hu-HU" sz="2400" dirty="0" err="1">
+                <a:solidFill>
+                  <a:schemeClr val="accent6">
+                    <a:lumMod val="75000"/>
+                  </a:schemeClr>
+                </a:solidFill>
+                <a:latin typeface="Tahoma" panose="020B0604030504040204" pitchFamily="34" charset="0"/>
+                <a:ea typeface="Tahoma" panose="020B0604030504040204" pitchFamily="34" charset="0"/>
+                <a:cs typeface="Tahoma" panose="020B0604030504040204" pitchFamily="34" charset="0"/>
+              </a:rPr>
+              <a:t>Car</a:t>
+            </a:r>
+            <a:r>
+              <a:rPr lang="hu-HU" sz="2400" dirty="0">
+                <a:solidFill>
+                  <a:schemeClr val="accent6">
+                    <a:lumMod val="75000"/>
+                  </a:schemeClr>
+                </a:solidFill>
+                <a:latin typeface="Tahoma" panose="020B0604030504040204" pitchFamily="34" charset="0"/>
+                <a:ea typeface="Tahoma" panose="020B0604030504040204" pitchFamily="34" charset="0"/>
+                <a:cs typeface="Tahoma" panose="020B0604030504040204" pitchFamily="34" charset="0"/>
+              </a:rPr>
+              <a:t> driver</a:t>
+            </a:r>
+            <a:endParaRPr lang="en-US" sz="2400" dirty="0">
+              <a:solidFill>
+                <a:schemeClr val="accent6">
+                  <a:lumMod val="75000"/>
+                </a:schemeClr>
+              </a:solidFill>
+              <a:latin typeface="Tahoma" panose="020B0604030504040204" pitchFamily="34" charset="0"/>
+              <a:ea typeface="Tahoma" panose="020B0604030504040204" pitchFamily="34" charset="0"/>
+              <a:cs typeface="Tahoma" panose="020B0604030504040204" pitchFamily="34" charset="0"/>
+            </a:endParaRPr>
+          </a:p>
+        </p:txBody>
+      </p:sp>
+      <p:sp>
+        <p:nvSpPr>
+          <p:cNvPr id="7" name="TextBox 6">
+            <a:extLst>
+              <a:ext uri="{FF2B5EF4-FFF2-40B4-BE49-F238E27FC236}">
+                <a16:creationId xmlns:a16="http://schemas.microsoft.com/office/drawing/2014/main" id="{BB228D78-116D-4047-8039-2C577A0CEF46}"/>
+              </a:ext>
+            </a:extLst>
+          </p:cNvPr>
+          <p:cNvSpPr txBox="1"/>
+          <p:nvPr/>
+        </p:nvSpPr>
+        <p:spPr>
+          <a:xfrm>
+            <a:off x="348460" y="5265948"/>
+            <a:ext cx="1599412" cy="461665"/>
+          </a:xfrm>
+          <a:prstGeom prst="rect">
+            <a:avLst/>
+          </a:prstGeom>
+          <a:noFill/>
+          <a:ln w="25400">
+            <a:solidFill>
+              <a:schemeClr val="accent6">
+                <a:lumMod val="75000"/>
+              </a:schemeClr>
+            </a:solidFill>
+          </a:ln>
+        </p:spPr>
+        <p:txBody>
+          <a:bodyPr wrap="none" rtlCol="0">
+            <a:spAutoFit/>
+          </a:bodyPr>
+          <a:lstStyle/>
+          <a:p>
+            <a:r>
+              <a:rPr lang="hu-HU" sz="2400" dirty="0" err="1">
+                <a:solidFill>
+                  <a:schemeClr val="accent6">
+                    <a:lumMod val="75000"/>
+                  </a:schemeClr>
+                </a:solidFill>
+                <a:latin typeface="Tahoma" panose="020B0604030504040204" pitchFamily="34" charset="0"/>
+                <a:ea typeface="Tahoma" panose="020B0604030504040204" pitchFamily="34" charset="0"/>
+                <a:cs typeface="Tahoma" panose="020B0604030504040204" pitchFamily="34" charset="0"/>
+              </a:rPr>
+              <a:t>Green</a:t>
+            </a:r>
+            <a:r>
+              <a:rPr lang="hu-HU" sz="2400" dirty="0">
+                <a:solidFill>
+                  <a:schemeClr val="accent6">
+                    <a:lumMod val="75000"/>
+                  </a:schemeClr>
+                </a:solidFill>
+                <a:latin typeface="Tahoma" panose="020B0604030504040204" pitchFamily="34" charset="0"/>
+                <a:ea typeface="Tahoma" panose="020B0604030504040204" pitchFamily="34" charset="0"/>
+                <a:cs typeface="Tahoma" panose="020B0604030504040204" pitchFamily="34" charset="0"/>
+              </a:rPr>
+              <a:t> City</a:t>
+            </a:r>
+            <a:endParaRPr lang="en-US" sz="2400" dirty="0">
+              <a:solidFill>
+                <a:schemeClr val="accent6">
+                  <a:lumMod val="75000"/>
+                </a:schemeClr>
+              </a:solidFill>
+              <a:latin typeface="Tahoma" panose="020B0604030504040204" pitchFamily="34" charset="0"/>
+              <a:ea typeface="Tahoma" panose="020B0604030504040204" pitchFamily="34" charset="0"/>
+              <a:cs typeface="Tahoma" panose="020B0604030504040204" pitchFamily="34" charset="0"/>
+            </a:endParaRPr>
+          </a:p>
+        </p:txBody>
+      </p:sp>
+      <p:sp>
+        <p:nvSpPr>
+          <p:cNvPr id="8" name="TextBox 7">
+            <a:extLst>
+              <a:ext uri="{FF2B5EF4-FFF2-40B4-BE49-F238E27FC236}">
+                <a16:creationId xmlns:a16="http://schemas.microsoft.com/office/drawing/2014/main" id="{626DE341-1E9C-4B26-BF36-4012C6F7C02F}"/>
+              </a:ext>
+            </a:extLst>
+          </p:cNvPr>
+          <p:cNvSpPr txBox="1"/>
+          <p:nvPr/>
+        </p:nvSpPr>
+        <p:spPr>
+          <a:xfrm>
+            <a:off x="9660747" y="461729"/>
+            <a:ext cx="2153282" cy="1200329"/>
+          </a:xfrm>
+          <a:prstGeom prst="rect">
+            <a:avLst/>
+          </a:prstGeom>
+          <a:noFill/>
+          <a:ln w="25400">
+            <a:solidFill>
+              <a:schemeClr val="accent6">
+                <a:lumMod val="75000"/>
+              </a:schemeClr>
+            </a:solidFill>
+          </a:ln>
+        </p:spPr>
+        <p:txBody>
+          <a:bodyPr wrap="none" rtlCol="0">
+            <a:spAutoFit/>
+          </a:bodyPr>
+          <a:lstStyle/>
+          <a:p>
+            <a:r>
+              <a:rPr lang="hu-HU" sz="2400" dirty="0" err="1">
+                <a:solidFill>
+                  <a:schemeClr val="accent6">
+                    <a:lumMod val="75000"/>
+                  </a:schemeClr>
+                </a:solidFill>
+                <a:latin typeface="Tahoma" panose="020B0604030504040204" pitchFamily="34" charset="0"/>
+                <a:ea typeface="Tahoma" panose="020B0604030504040204" pitchFamily="34" charset="0"/>
+                <a:cs typeface="Tahoma" panose="020B0604030504040204" pitchFamily="34" charset="0"/>
+              </a:rPr>
+              <a:t>Green</a:t>
+            </a:r>
+            <a:r>
+              <a:rPr lang="hu-HU" sz="2400" dirty="0">
+                <a:solidFill>
+                  <a:schemeClr val="accent6">
+                    <a:lumMod val="75000"/>
+                  </a:schemeClr>
+                </a:solidFill>
+                <a:latin typeface="Tahoma" panose="020B0604030504040204" pitchFamily="34" charset="0"/>
+                <a:ea typeface="Tahoma" panose="020B0604030504040204" pitchFamily="34" charset="0"/>
+                <a:cs typeface="Tahoma" panose="020B0604030504040204" pitchFamily="34" charset="0"/>
+              </a:rPr>
+              <a:t> </a:t>
+            </a:r>
+            <a:r>
+              <a:rPr lang="hu-HU" sz="2400" dirty="0" err="1">
+                <a:solidFill>
+                  <a:schemeClr val="accent6">
+                    <a:lumMod val="75000"/>
+                  </a:schemeClr>
+                </a:solidFill>
+                <a:latin typeface="Tahoma" panose="020B0604030504040204" pitchFamily="34" charset="0"/>
+                <a:ea typeface="Tahoma" panose="020B0604030504040204" pitchFamily="34" charset="0"/>
+                <a:cs typeface="Tahoma" panose="020B0604030504040204" pitchFamily="34" charset="0"/>
+              </a:rPr>
+              <a:t>home</a:t>
+            </a:r>
+            <a:r>
+              <a:rPr lang="hu-HU" sz="2400" dirty="0">
+                <a:solidFill>
+                  <a:schemeClr val="accent6">
+                    <a:lumMod val="75000"/>
+                  </a:schemeClr>
+                </a:solidFill>
+                <a:latin typeface="Tahoma" panose="020B0604030504040204" pitchFamily="34" charset="0"/>
+                <a:ea typeface="Tahoma" panose="020B0604030504040204" pitchFamily="34" charset="0"/>
+                <a:cs typeface="Tahoma" panose="020B0604030504040204" pitchFamily="34" charset="0"/>
+              </a:rPr>
+              <a:t> - </a:t>
+            </a:r>
+          </a:p>
+          <a:p>
+            <a:r>
+              <a:rPr lang="hu-HU" sz="2400" dirty="0">
+                <a:solidFill>
+                  <a:schemeClr val="accent6">
+                    <a:lumMod val="75000"/>
+                  </a:schemeClr>
+                </a:solidFill>
+                <a:latin typeface="Tahoma" panose="020B0604030504040204" pitchFamily="34" charset="0"/>
+                <a:ea typeface="Tahoma" panose="020B0604030504040204" pitchFamily="34" charset="0"/>
+                <a:cs typeface="Tahoma" panose="020B0604030504040204" pitchFamily="34" charset="0"/>
+              </a:rPr>
+              <a:t>parking </a:t>
+            </a:r>
+            <a:r>
+              <a:rPr lang="hu-HU" sz="2400" dirty="0" err="1">
+                <a:solidFill>
+                  <a:schemeClr val="accent6">
+                    <a:lumMod val="75000"/>
+                  </a:schemeClr>
+                </a:solidFill>
+                <a:latin typeface="Tahoma" panose="020B0604030504040204" pitchFamily="34" charset="0"/>
+                <a:ea typeface="Tahoma" panose="020B0604030504040204" pitchFamily="34" charset="0"/>
+                <a:cs typeface="Tahoma" panose="020B0604030504040204" pitchFamily="34" charset="0"/>
+              </a:rPr>
+              <a:t>place</a:t>
+            </a:r>
+            <a:endParaRPr lang="hu-HU" sz="2400" dirty="0">
+              <a:solidFill>
+                <a:schemeClr val="accent6">
+                  <a:lumMod val="75000"/>
+                </a:schemeClr>
+              </a:solidFill>
+              <a:latin typeface="Tahoma" panose="020B0604030504040204" pitchFamily="34" charset="0"/>
+              <a:ea typeface="Tahoma" panose="020B0604030504040204" pitchFamily="34" charset="0"/>
+              <a:cs typeface="Tahoma" panose="020B0604030504040204" pitchFamily="34" charset="0"/>
+            </a:endParaRPr>
+          </a:p>
+          <a:p>
+            <a:pPr algn="ctr"/>
+            <a:r>
+              <a:rPr lang="hu-HU" sz="2400" dirty="0" err="1">
+                <a:solidFill>
+                  <a:schemeClr val="accent6">
+                    <a:lumMod val="75000"/>
+                  </a:schemeClr>
+                </a:solidFill>
+                <a:latin typeface="Tahoma" panose="020B0604030504040204" pitchFamily="34" charset="0"/>
+                <a:ea typeface="Tahoma" panose="020B0604030504040204" pitchFamily="34" charset="0"/>
+                <a:cs typeface="Tahoma" panose="020B0604030504040204" pitchFamily="34" charset="0"/>
+              </a:rPr>
+              <a:t>owner</a:t>
+            </a:r>
+            <a:endParaRPr lang="en-US" sz="2400" dirty="0">
+              <a:solidFill>
+                <a:schemeClr val="accent6">
+                  <a:lumMod val="75000"/>
+                </a:schemeClr>
+              </a:solidFill>
+              <a:latin typeface="Tahoma" panose="020B0604030504040204" pitchFamily="34" charset="0"/>
+              <a:ea typeface="Tahoma" panose="020B0604030504040204" pitchFamily="34" charset="0"/>
+              <a:cs typeface="Tahoma" panose="020B0604030504040204" pitchFamily="34" charset="0"/>
+            </a:endParaRPr>
+          </a:p>
+        </p:txBody>
+      </p:sp>
+      <p:sp>
+        <p:nvSpPr>
+          <p:cNvPr id="9" name="TextBox 8">
+            <a:extLst>
+              <a:ext uri="{FF2B5EF4-FFF2-40B4-BE49-F238E27FC236}">
+                <a16:creationId xmlns:a16="http://schemas.microsoft.com/office/drawing/2014/main" id="{BE8F9ADA-D7C6-4716-88C1-4775D4EE00C7}"/>
+              </a:ext>
+            </a:extLst>
+          </p:cNvPr>
+          <p:cNvSpPr txBox="1"/>
+          <p:nvPr/>
+        </p:nvSpPr>
+        <p:spPr>
+          <a:xfrm>
+            <a:off x="9660747" y="5081281"/>
+            <a:ext cx="2029979" cy="830997"/>
+          </a:xfrm>
+          <a:prstGeom prst="rect">
+            <a:avLst/>
+          </a:prstGeom>
+          <a:noFill/>
+          <a:ln w="25400">
+            <a:solidFill>
+              <a:schemeClr val="accent6">
+                <a:lumMod val="75000"/>
+              </a:schemeClr>
+            </a:solidFill>
+          </a:ln>
+        </p:spPr>
+        <p:txBody>
+          <a:bodyPr wrap="none" rtlCol="0">
+            <a:spAutoFit/>
+          </a:bodyPr>
+          <a:lstStyle/>
+          <a:p>
+            <a:r>
+              <a:rPr lang="hu-HU" sz="2400" dirty="0" err="1">
+                <a:solidFill>
+                  <a:schemeClr val="accent6">
+                    <a:lumMod val="75000"/>
+                  </a:schemeClr>
+                </a:solidFill>
+                <a:latin typeface="Tahoma" panose="020B0604030504040204" pitchFamily="34" charset="0"/>
+                <a:ea typeface="Tahoma" panose="020B0604030504040204" pitchFamily="34" charset="0"/>
+                <a:cs typeface="Tahoma" panose="020B0604030504040204" pitchFamily="34" charset="0"/>
+              </a:rPr>
+              <a:t>Green</a:t>
+            </a:r>
+            <a:r>
+              <a:rPr lang="hu-HU" sz="2400" dirty="0">
+                <a:solidFill>
+                  <a:schemeClr val="accent6">
+                    <a:lumMod val="75000"/>
+                  </a:schemeClr>
+                </a:solidFill>
+                <a:latin typeface="Tahoma" panose="020B0604030504040204" pitchFamily="34" charset="0"/>
+                <a:ea typeface="Tahoma" panose="020B0604030504040204" pitchFamily="34" charset="0"/>
+                <a:cs typeface="Tahoma" panose="020B0604030504040204" pitchFamily="34" charset="0"/>
+              </a:rPr>
+              <a:t> </a:t>
+            </a:r>
+            <a:r>
+              <a:rPr lang="hu-HU" sz="2400" dirty="0" err="1">
+                <a:solidFill>
+                  <a:schemeClr val="accent6">
+                    <a:lumMod val="75000"/>
+                  </a:schemeClr>
+                </a:solidFill>
+                <a:latin typeface="Tahoma" panose="020B0604030504040204" pitchFamily="34" charset="0"/>
+                <a:ea typeface="Tahoma" panose="020B0604030504040204" pitchFamily="34" charset="0"/>
+                <a:cs typeface="Tahoma" panose="020B0604030504040204" pitchFamily="34" charset="0"/>
+              </a:rPr>
+              <a:t>Energy</a:t>
+            </a:r>
+            <a:endParaRPr lang="hu-HU" sz="2400" dirty="0">
+              <a:solidFill>
+                <a:schemeClr val="accent6">
+                  <a:lumMod val="75000"/>
+                </a:schemeClr>
+              </a:solidFill>
+              <a:latin typeface="Tahoma" panose="020B0604030504040204" pitchFamily="34" charset="0"/>
+              <a:ea typeface="Tahoma" panose="020B0604030504040204" pitchFamily="34" charset="0"/>
+              <a:cs typeface="Tahoma" panose="020B0604030504040204" pitchFamily="34" charset="0"/>
+            </a:endParaRPr>
+          </a:p>
+          <a:p>
+            <a:pPr algn="ctr"/>
+            <a:r>
+              <a:rPr lang="hu-HU" sz="2400" dirty="0" err="1">
+                <a:solidFill>
+                  <a:schemeClr val="accent6">
+                    <a:lumMod val="75000"/>
+                  </a:schemeClr>
+                </a:solidFill>
+                <a:latin typeface="Tahoma" panose="020B0604030504040204" pitchFamily="34" charset="0"/>
+                <a:ea typeface="Tahoma" panose="020B0604030504040204" pitchFamily="34" charset="0"/>
+                <a:cs typeface="Tahoma" panose="020B0604030504040204" pitchFamily="34" charset="0"/>
+              </a:rPr>
+              <a:t>Supplier</a:t>
+            </a:r>
+            <a:endParaRPr lang="en-US" sz="2400" dirty="0">
+              <a:solidFill>
+                <a:schemeClr val="accent6">
+                  <a:lumMod val="75000"/>
+                </a:schemeClr>
+              </a:solidFill>
+              <a:latin typeface="Tahoma" panose="020B0604030504040204" pitchFamily="34" charset="0"/>
+              <a:ea typeface="Tahoma" panose="020B0604030504040204" pitchFamily="34" charset="0"/>
+              <a:cs typeface="Tahoma" panose="020B0604030504040204" pitchFamily="34" charset="0"/>
+            </a:endParaRPr>
+          </a:p>
+        </p:txBody>
+      </p:sp>
+      <p:pic>
+        <p:nvPicPr>
+          <p:cNvPr id="11" name="Graphic 10" descr="Line Arrow: Counterclockwise curve">
+            <a:extLst>
+              <a:ext uri="{FF2B5EF4-FFF2-40B4-BE49-F238E27FC236}">
+                <a16:creationId xmlns:a16="http://schemas.microsoft.com/office/drawing/2014/main" id="{AF812BFA-B6D7-4298-A8F3-9C92D15FDDFF}"/>
+              </a:ext>
+            </a:extLst>
+          </p:cNvPr>
+          <p:cNvPicPr>
+            <a:picLocks noChangeAspect="1"/>
+          </p:cNvPicPr>
+          <p:nvPr/>
+        </p:nvPicPr>
+        <p:blipFill>
+          <a:blip r:embed="rId2">
+            <a:extLst>
+              <a:ext uri="{28A0092B-C50C-407E-A947-70E740481C1C}">
+                <a14:useLocalDpi xmlns:a14="http://schemas.microsoft.com/office/drawing/2010/main" val="0"/>
+              </a:ext>
+              <a:ext uri="{96DAC541-7B7A-43D3-8B79-37D633B846F1}">
+                <asvg:svgBlip xmlns:asvg="http://schemas.microsoft.com/office/drawing/2016/SVG/main" r:embed="rId3"/>
+              </a:ext>
+            </a:extLst>
+          </a:blip>
+          <a:stretch>
+            <a:fillRect/>
+          </a:stretch>
+        </p:blipFill>
+        <p:spPr>
+          <a:xfrm rot="14979993">
+            <a:off x="8012891" y="54001"/>
+            <a:ext cx="1037540" cy="1926798"/>
+          </a:xfrm>
+          <a:prstGeom prst="rect">
+            <a:avLst/>
+          </a:prstGeom>
+        </p:spPr>
+      </p:pic>
+      <p:pic>
+        <p:nvPicPr>
+          <p:cNvPr id="14" name="Graphic 13" descr="Line Arrow: Counterclockwise curve">
+            <a:extLst>
+              <a:ext uri="{FF2B5EF4-FFF2-40B4-BE49-F238E27FC236}">
+                <a16:creationId xmlns:a16="http://schemas.microsoft.com/office/drawing/2014/main" id="{4391C6DA-C187-448F-8667-CE53DC0CCED7}"/>
+              </a:ext>
+            </a:extLst>
+          </p:cNvPr>
+          <p:cNvPicPr>
+            <a:picLocks noChangeAspect="1"/>
+          </p:cNvPicPr>
+          <p:nvPr/>
+        </p:nvPicPr>
+        <p:blipFill>
+          <a:blip r:embed="rId2">
+            <a:extLst>
+              <a:ext uri="{28A0092B-C50C-407E-A947-70E740481C1C}">
+                <a14:useLocalDpi xmlns:a14="http://schemas.microsoft.com/office/drawing/2010/main" val="0"/>
+              </a:ext>
+              <a:ext uri="{96DAC541-7B7A-43D3-8B79-37D633B846F1}">
+                <asvg:svgBlip xmlns:asvg="http://schemas.microsoft.com/office/drawing/2016/SVG/main" r:embed="rId3"/>
+              </a:ext>
+            </a:extLst>
+          </a:blip>
+          <a:stretch>
+            <a:fillRect/>
+          </a:stretch>
+        </p:blipFill>
+        <p:spPr>
+          <a:xfrm rot="4192433">
+            <a:off x="8645375" y="1477069"/>
+            <a:ext cx="1037540" cy="1926798"/>
+          </a:xfrm>
+          <a:prstGeom prst="rect">
+            <a:avLst/>
+          </a:prstGeom>
+        </p:spPr>
+      </p:pic>
+      <p:pic>
+        <p:nvPicPr>
+          <p:cNvPr id="15" name="Graphic 14" descr="Line Arrow: Counterclockwise curve">
+            <a:extLst>
+              <a:ext uri="{FF2B5EF4-FFF2-40B4-BE49-F238E27FC236}">
+                <a16:creationId xmlns:a16="http://schemas.microsoft.com/office/drawing/2014/main" id="{C64C2BA1-97F0-47B0-AEE5-40236F5F456C}"/>
+              </a:ext>
+            </a:extLst>
+          </p:cNvPr>
+          <p:cNvPicPr>
+            <a:picLocks noChangeAspect="1"/>
+          </p:cNvPicPr>
+          <p:nvPr/>
+        </p:nvPicPr>
+        <p:blipFill>
+          <a:blip r:embed="rId2">
+            <a:extLst>
+              <a:ext uri="{28A0092B-C50C-407E-A947-70E740481C1C}">
+                <a14:useLocalDpi xmlns:a14="http://schemas.microsoft.com/office/drawing/2010/main" val="0"/>
+              </a:ext>
+              <a:ext uri="{96DAC541-7B7A-43D3-8B79-37D633B846F1}">
+                <asvg:svgBlip xmlns:asvg="http://schemas.microsoft.com/office/drawing/2016/SVG/main" r:embed="rId3"/>
+              </a:ext>
+            </a:extLst>
+          </a:blip>
+          <a:stretch>
+            <a:fillRect/>
+          </a:stretch>
+        </p:blipFill>
+        <p:spPr>
+          <a:xfrm rot="14979993">
+            <a:off x="2486491" y="3435781"/>
+            <a:ext cx="1037540" cy="1926798"/>
+          </a:xfrm>
+          <a:prstGeom prst="rect">
+            <a:avLst/>
+          </a:prstGeom>
+        </p:spPr>
+      </p:pic>
+      <p:pic>
+        <p:nvPicPr>
+          <p:cNvPr id="16" name="Graphic 15" descr="Line Arrow: Counterclockwise curve">
+            <a:extLst>
+              <a:ext uri="{FF2B5EF4-FFF2-40B4-BE49-F238E27FC236}">
+                <a16:creationId xmlns:a16="http://schemas.microsoft.com/office/drawing/2014/main" id="{6C0A3C8F-AAA3-44F2-B5BE-2D063BC95BD4}"/>
+              </a:ext>
+            </a:extLst>
+          </p:cNvPr>
+          <p:cNvPicPr>
+            <a:picLocks noChangeAspect="1"/>
+          </p:cNvPicPr>
+          <p:nvPr/>
+        </p:nvPicPr>
+        <p:blipFill>
+          <a:blip r:embed="rId2">
+            <a:extLst>
+              <a:ext uri="{28A0092B-C50C-407E-A947-70E740481C1C}">
+                <a14:useLocalDpi xmlns:a14="http://schemas.microsoft.com/office/drawing/2010/main" val="0"/>
+              </a:ext>
+              <a:ext uri="{96DAC541-7B7A-43D3-8B79-37D633B846F1}">
+                <asvg:svgBlip xmlns:asvg="http://schemas.microsoft.com/office/drawing/2016/SVG/main" r:embed="rId3"/>
+              </a:ext>
+            </a:extLst>
+          </a:blip>
+          <a:stretch>
+            <a:fillRect/>
+          </a:stretch>
+        </p:blipFill>
+        <p:spPr>
+          <a:xfrm rot="4192433">
+            <a:off x="3118975" y="5055041"/>
+            <a:ext cx="1037540" cy="1926798"/>
+          </a:xfrm>
+          <a:prstGeom prst="rect">
+            <a:avLst/>
+          </a:prstGeom>
+        </p:spPr>
+      </p:pic>
+      <p:pic>
+        <p:nvPicPr>
+          <p:cNvPr id="17" name="Graphic 16" descr="Line Arrow: Counterclockwise curve">
+            <a:extLst>
+              <a:ext uri="{FF2B5EF4-FFF2-40B4-BE49-F238E27FC236}">
+                <a16:creationId xmlns:a16="http://schemas.microsoft.com/office/drawing/2014/main" id="{9B6EDB1A-0A13-4A64-9E8C-D9A2300D2F20}"/>
+              </a:ext>
+            </a:extLst>
+          </p:cNvPr>
+          <p:cNvPicPr>
+            <a:picLocks noChangeAspect="1"/>
+          </p:cNvPicPr>
+          <p:nvPr/>
+        </p:nvPicPr>
+        <p:blipFill>
+          <a:blip r:embed="rId2">
+            <a:extLst>
+              <a:ext uri="{28A0092B-C50C-407E-A947-70E740481C1C}">
+                <a14:useLocalDpi xmlns:a14="http://schemas.microsoft.com/office/drawing/2010/main" val="0"/>
+              </a:ext>
+              <a:ext uri="{96DAC541-7B7A-43D3-8B79-37D633B846F1}">
+                <asvg:svgBlip xmlns:asvg="http://schemas.microsoft.com/office/drawing/2016/SVG/main" r:embed="rId3"/>
+              </a:ext>
+            </a:extLst>
+          </a:blip>
+          <a:stretch>
+            <a:fillRect/>
+          </a:stretch>
+        </p:blipFill>
+        <p:spPr>
+          <a:xfrm rot="7578718">
+            <a:off x="2486603" y="1477069"/>
+            <a:ext cx="1037540" cy="1926798"/>
+          </a:xfrm>
+          <a:prstGeom prst="rect">
+            <a:avLst/>
+          </a:prstGeom>
+        </p:spPr>
+      </p:pic>
+      <p:pic>
+        <p:nvPicPr>
+          <p:cNvPr id="18" name="Graphic 17" descr="Line Arrow: Counterclockwise curve">
+            <a:extLst>
+              <a:ext uri="{FF2B5EF4-FFF2-40B4-BE49-F238E27FC236}">
+                <a16:creationId xmlns:a16="http://schemas.microsoft.com/office/drawing/2014/main" id="{C89BD94D-849C-4AF1-A574-7C2FDCAB56BF}"/>
+              </a:ext>
+            </a:extLst>
+          </p:cNvPr>
+          <p:cNvPicPr>
+            <a:picLocks noChangeAspect="1"/>
+          </p:cNvPicPr>
+          <p:nvPr/>
+        </p:nvPicPr>
+        <p:blipFill>
+          <a:blip r:embed="rId2">
+            <a:extLst>
+              <a:ext uri="{28A0092B-C50C-407E-A947-70E740481C1C}">
+                <a14:useLocalDpi xmlns:a14="http://schemas.microsoft.com/office/drawing/2010/main" val="0"/>
+              </a:ext>
+              <a:ext uri="{96DAC541-7B7A-43D3-8B79-37D633B846F1}">
+                <asvg:svgBlip xmlns:asvg="http://schemas.microsoft.com/office/drawing/2016/SVG/main" r:embed="rId4"/>
+              </a:ext>
+            </a:extLst>
+          </a:blip>
+          <a:stretch>
+            <a:fillRect/>
+          </a:stretch>
+        </p:blipFill>
+        <p:spPr>
+          <a:xfrm rot="18280022">
+            <a:off x="3114601" y="11262"/>
+            <a:ext cx="1037540" cy="1926798"/>
+          </a:xfrm>
+          <a:prstGeom prst="rect">
+            <a:avLst/>
+          </a:prstGeom>
+        </p:spPr>
+      </p:pic>
+      <p:pic>
+        <p:nvPicPr>
+          <p:cNvPr id="19" name="Graphic 18" descr="Line Arrow: Counterclockwise curve">
+            <a:extLst>
+              <a:ext uri="{FF2B5EF4-FFF2-40B4-BE49-F238E27FC236}">
+                <a16:creationId xmlns:a16="http://schemas.microsoft.com/office/drawing/2014/main" id="{FE8EBB4F-569E-451E-8EAA-7903C71CC19C}"/>
+              </a:ext>
+            </a:extLst>
+          </p:cNvPr>
+          <p:cNvPicPr>
+            <a:picLocks noChangeAspect="1"/>
+          </p:cNvPicPr>
+          <p:nvPr/>
+        </p:nvPicPr>
+        <p:blipFill>
+          <a:blip r:embed="rId2">
+            <a:extLst>
+              <a:ext uri="{28A0092B-C50C-407E-A947-70E740481C1C}">
+                <a14:useLocalDpi xmlns:a14="http://schemas.microsoft.com/office/drawing/2010/main" val="0"/>
+              </a:ext>
+              <a:ext uri="{96DAC541-7B7A-43D3-8B79-37D633B846F1}">
+                <asvg:svgBlip xmlns:asvg="http://schemas.microsoft.com/office/drawing/2016/SVG/main" r:embed="rId3"/>
+              </a:ext>
+            </a:extLst>
+          </a:blip>
+          <a:stretch>
+            <a:fillRect/>
+          </a:stretch>
+        </p:blipFill>
+        <p:spPr>
+          <a:xfrm rot="7578718">
+            <a:off x="8013003" y="5055041"/>
+            <a:ext cx="1037540" cy="1926798"/>
+          </a:xfrm>
+          <a:prstGeom prst="rect">
+            <a:avLst/>
+          </a:prstGeom>
+        </p:spPr>
+      </p:pic>
+      <p:pic>
+        <p:nvPicPr>
+          <p:cNvPr id="20" name="Graphic 19" descr="Line Arrow: Counterclockwise curve">
+            <a:extLst>
+              <a:ext uri="{FF2B5EF4-FFF2-40B4-BE49-F238E27FC236}">
+                <a16:creationId xmlns:a16="http://schemas.microsoft.com/office/drawing/2014/main" id="{93E0FE9E-A95B-49B2-8B62-B6961E9D61E6}"/>
+              </a:ext>
+            </a:extLst>
+          </p:cNvPr>
+          <p:cNvPicPr>
+            <a:picLocks noChangeAspect="1"/>
+          </p:cNvPicPr>
+          <p:nvPr/>
+        </p:nvPicPr>
+        <p:blipFill>
+          <a:blip r:embed="rId2">
+            <a:extLst>
+              <a:ext uri="{28A0092B-C50C-407E-A947-70E740481C1C}">
+                <a14:useLocalDpi xmlns:a14="http://schemas.microsoft.com/office/drawing/2010/main" val="0"/>
+              </a:ext>
+              <a:ext uri="{96DAC541-7B7A-43D3-8B79-37D633B846F1}">
+                <asvg:svgBlip xmlns:asvg="http://schemas.microsoft.com/office/drawing/2016/SVG/main" r:embed="rId3"/>
+              </a:ext>
+            </a:extLst>
+          </a:blip>
+          <a:stretch>
+            <a:fillRect/>
+          </a:stretch>
+        </p:blipFill>
+        <p:spPr>
+          <a:xfrm rot="18280022">
+            <a:off x="8641001" y="3589234"/>
+            <a:ext cx="1037540" cy="1926798"/>
+          </a:xfrm>
+          <a:prstGeom prst="rect">
+            <a:avLst/>
+          </a:prstGeom>
+        </p:spPr>
+      </p:pic>
+      <p:sp>
+        <p:nvSpPr>
+          <p:cNvPr id="2" name="TextBox 1">
+            <a:extLst>
+              <a:ext uri="{FF2B5EF4-FFF2-40B4-BE49-F238E27FC236}">
+                <a16:creationId xmlns:a16="http://schemas.microsoft.com/office/drawing/2014/main" id="{11914F4B-AD46-46D6-A9F6-10764260A256}"/>
+              </a:ext>
+            </a:extLst>
+          </p:cNvPr>
+          <p:cNvSpPr txBox="1"/>
+          <p:nvPr/>
+        </p:nvSpPr>
+        <p:spPr>
+          <a:xfrm>
+            <a:off x="2295887" y="1603725"/>
+            <a:ext cx="2549096" cy="461665"/>
+          </a:xfrm>
+          <a:prstGeom prst="rect">
+            <a:avLst/>
+          </a:prstGeom>
+          <a:noFill/>
+        </p:spPr>
+        <p:txBody>
+          <a:bodyPr wrap="none" rtlCol="0">
+            <a:spAutoFit/>
+          </a:bodyPr>
+          <a:lstStyle/>
+          <a:p>
+            <a:r>
+              <a:rPr lang="hu-HU" sz="2400" b="1" dirty="0">
+                <a:solidFill>
+                  <a:srgbClr val="0070C0"/>
+                </a:solidFill>
+              </a:rPr>
+              <a:t>Mobile / WEB </a:t>
+            </a:r>
+            <a:r>
+              <a:rPr lang="hu-HU" sz="2400" b="1" dirty="0" err="1">
+                <a:solidFill>
+                  <a:srgbClr val="0070C0"/>
+                </a:solidFill>
+              </a:rPr>
+              <a:t>App</a:t>
+            </a:r>
+            <a:endParaRPr lang="en-US" sz="2400" b="1" dirty="0">
+              <a:solidFill>
+                <a:srgbClr val="0070C0"/>
+              </a:solidFill>
+            </a:endParaRPr>
+          </a:p>
+        </p:txBody>
+      </p:sp>
+      <p:sp>
+        <p:nvSpPr>
+          <p:cNvPr id="30" name="TextBox 29">
+            <a:extLst>
+              <a:ext uri="{FF2B5EF4-FFF2-40B4-BE49-F238E27FC236}">
+                <a16:creationId xmlns:a16="http://schemas.microsoft.com/office/drawing/2014/main" id="{2F7827B2-E887-4C1B-ADE7-E19034BCEBF3}"/>
+              </a:ext>
+            </a:extLst>
+          </p:cNvPr>
+          <p:cNvSpPr txBox="1"/>
+          <p:nvPr/>
+        </p:nvSpPr>
+        <p:spPr>
+          <a:xfrm>
+            <a:off x="2617290" y="4768149"/>
+            <a:ext cx="1906291" cy="830997"/>
+          </a:xfrm>
+          <a:prstGeom prst="rect">
+            <a:avLst/>
+          </a:prstGeom>
+          <a:noFill/>
+        </p:spPr>
+        <p:txBody>
+          <a:bodyPr wrap="none" rtlCol="0">
+            <a:spAutoFit/>
+          </a:bodyPr>
+          <a:lstStyle/>
+          <a:p>
+            <a:r>
+              <a:rPr lang="hu-HU" sz="2400" b="1" dirty="0">
+                <a:solidFill>
+                  <a:srgbClr val="0070C0"/>
+                </a:solidFill>
+              </a:rPr>
+              <a:t>WEB </a:t>
+            </a:r>
+            <a:r>
+              <a:rPr lang="hu-HU" sz="2400" b="1" dirty="0" err="1">
+                <a:solidFill>
+                  <a:srgbClr val="0070C0"/>
+                </a:solidFill>
+              </a:rPr>
+              <a:t>App</a:t>
+            </a:r>
+            <a:endParaRPr lang="hu-HU" sz="2400" b="1" dirty="0">
+              <a:solidFill>
+                <a:srgbClr val="0070C0"/>
+              </a:solidFill>
+            </a:endParaRPr>
+          </a:p>
+          <a:p>
+            <a:r>
+              <a:rPr lang="hu-HU" sz="2400" b="1" dirty="0">
+                <a:solidFill>
+                  <a:srgbClr val="0070C0"/>
+                </a:solidFill>
+              </a:rPr>
+              <a:t>CITI IQ </a:t>
+            </a:r>
+            <a:r>
+              <a:rPr lang="hu-HU" sz="2400" b="1" dirty="0" err="1">
+                <a:solidFill>
+                  <a:srgbClr val="0070C0"/>
+                </a:solidFill>
+              </a:rPr>
+              <a:t>Nodes</a:t>
+            </a:r>
+            <a:endParaRPr lang="en-US" sz="2400" b="1" dirty="0">
+              <a:solidFill>
+                <a:srgbClr val="0070C0"/>
+              </a:solidFill>
+            </a:endParaRPr>
+          </a:p>
+        </p:txBody>
+      </p:sp>
+      <p:sp>
+        <p:nvSpPr>
+          <p:cNvPr id="38" name="TextBox 37">
+            <a:extLst>
+              <a:ext uri="{FF2B5EF4-FFF2-40B4-BE49-F238E27FC236}">
+                <a16:creationId xmlns:a16="http://schemas.microsoft.com/office/drawing/2014/main" id="{3BEE7E1E-1746-483D-BDBB-86FE4B5D0EEB}"/>
+              </a:ext>
+            </a:extLst>
+          </p:cNvPr>
+          <p:cNvSpPr txBox="1"/>
+          <p:nvPr/>
+        </p:nvSpPr>
+        <p:spPr>
+          <a:xfrm>
+            <a:off x="8051568" y="1419059"/>
+            <a:ext cx="1462003" cy="830997"/>
+          </a:xfrm>
+          <a:prstGeom prst="rect">
+            <a:avLst/>
+          </a:prstGeom>
+          <a:noFill/>
+        </p:spPr>
+        <p:txBody>
+          <a:bodyPr wrap="none" rtlCol="0">
+            <a:spAutoFit/>
+          </a:bodyPr>
+          <a:lstStyle/>
+          <a:p>
+            <a:r>
+              <a:rPr lang="hu-HU" sz="2400" b="1" dirty="0">
+                <a:solidFill>
+                  <a:srgbClr val="0070C0"/>
+                </a:solidFill>
+              </a:rPr>
+              <a:t>WEB </a:t>
+            </a:r>
+            <a:r>
+              <a:rPr lang="hu-HU" sz="2400" b="1" dirty="0" err="1">
+                <a:solidFill>
+                  <a:srgbClr val="0070C0"/>
+                </a:solidFill>
+              </a:rPr>
+              <a:t>App</a:t>
+            </a:r>
+            <a:endParaRPr lang="hu-HU" sz="2400" b="1" dirty="0">
+              <a:solidFill>
+                <a:srgbClr val="0070C0"/>
+              </a:solidFill>
+            </a:endParaRPr>
+          </a:p>
+          <a:p>
+            <a:r>
+              <a:rPr lang="hu-HU" sz="2400" b="1" dirty="0" err="1">
+                <a:solidFill>
+                  <a:srgbClr val="0070C0"/>
+                </a:solidFill>
+              </a:rPr>
+              <a:t>Predix</a:t>
+            </a:r>
+            <a:r>
+              <a:rPr lang="hu-HU" sz="2400" b="1" dirty="0">
+                <a:solidFill>
+                  <a:srgbClr val="0070C0"/>
+                </a:solidFill>
+              </a:rPr>
+              <a:t> KIT</a:t>
+            </a:r>
+            <a:endParaRPr lang="en-US" sz="2400" b="1" dirty="0">
+              <a:solidFill>
+                <a:srgbClr val="0070C0"/>
+              </a:solidFill>
+            </a:endParaRPr>
+          </a:p>
+        </p:txBody>
+      </p:sp>
+      <p:sp>
+        <p:nvSpPr>
+          <p:cNvPr id="39" name="TextBox 38">
+            <a:extLst>
+              <a:ext uri="{FF2B5EF4-FFF2-40B4-BE49-F238E27FC236}">
+                <a16:creationId xmlns:a16="http://schemas.microsoft.com/office/drawing/2014/main" id="{F252FCE2-3A48-4724-A1AB-8F224EA0549D}"/>
+              </a:ext>
+            </a:extLst>
+          </p:cNvPr>
+          <p:cNvSpPr txBox="1"/>
+          <p:nvPr/>
+        </p:nvSpPr>
+        <p:spPr>
+          <a:xfrm>
+            <a:off x="8079716" y="5138524"/>
+            <a:ext cx="1372492" cy="461665"/>
+          </a:xfrm>
+          <a:prstGeom prst="rect">
+            <a:avLst/>
+          </a:prstGeom>
+          <a:noFill/>
+        </p:spPr>
+        <p:txBody>
+          <a:bodyPr wrap="none" rtlCol="0">
+            <a:spAutoFit/>
+          </a:bodyPr>
+          <a:lstStyle/>
+          <a:p>
+            <a:r>
+              <a:rPr lang="hu-HU" sz="2400" b="1" dirty="0">
+                <a:solidFill>
+                  <a:srgbClr val="0070C0"/>
+                </a:solidFill>
+              </a:rPr>
+              <a:t>WEB </a:t>
+            </a:r>
+            <a:r>
+              <a:rPr lang="hu-HU" sz="2400" b="1" dirty="0" err="1">
+                <a:solidFill>
+                  <a:srgbClr val="0070C0"/>
+                </a:solidFill>
+              </a:rPr>
+              <a:t>App</a:t>
+            </a:r>
+            <a:endParaRPr lang="hu-HU" sz="2400" b="1" dirty="0">
+              <a:solidFill>
+                <a:srgbClr val="0070C0"/>
+              </a:solidFill>
+            </a:endParaRPr>
+          </a:p>
+        </p:txBody>
+      </p:sp>
+    </p:spTree>
+    <p:extLst>
+      <p:ext uri="{BB962C8B-B14F-4D97-AF65-F5344CB8AC3E}">
+        <p14:creationId xmlns:p14="http://schemas.microsoft.com/office/powerpoint/2010/main" val="537826981"/>
+      </p:ext>
+    </p:extLst>
+  </p:cSld>
+  <p:clrMapOvr>
+    <a:masterClrMapping/>
+  </p:clrMapOvr>
+</p:sld>
+</file>
+
+<file path=ppt/slides/slide3.xml><?xml version="1.0" encoding="utf-8"?>
+<p:sld xmlns:a="http://schemas.openxmlformats.org/drawingml/2006/main" xmlns:r="http://schemas.openxmlformats.org/officeDocument/2006/relationships" xmlns:p="http://schemas.openxmlformats.org/presentationml/2006/main">
+  <p:cSld>
+    <p:spTree>
+      <p:nvGrpSpPr>
+        <p:cNvPr id="1" name=""/>
+        <p:cNvGrpSpPr/>
+        <p:nvPr/>
+      </p:nvGrpSpPr>
+      <p:grpSpPr>
+        <a:xfrm>
+          <a:off x="0" y="0"/>
+          <a:ext cx="0" cy="0"/>
+          <a:chOff x="0" y="0"/>
+          <a:chExt cx="0" cy="0"/>
+        </a:xfrm>
+      </p:grpSpPr>
+      <p:sp>
+        <p:nvSpPr>
+          <p:cNvPr id="34" name="Rectangle 33">
+            <a:extLst>
+              <a:ext uri="{FF2B5EF4-FFF2-40B4-BE49-F238E27FC236}">
+                <a16:creationId xmlns:a16="http://schemas.microsoft.com/office/drawing/2014/main" id="{56F9BB8B-5B27-4D60-96E4-C0FEF004A5E2}"/>
+              </a:ext>
+            </a:extLst>
+          </p:cNvPr>
+          <p:cNvSpPr/>
+          <p:nvPr/>
+        </p:nvSpPr>
+        <p:spPr>
+          <a:xfrm>
+            <a:off x="4746053" y="1629731"/>
+            <a:ext cx="2468720" cy="3538665"/>
+          </a:xfrm>
+          <a:prstGeom prst="rect">
+            <a:avLst/>
+          </a:prstGeom>
+          <a:solidFill>
+            <a:schemeClr val="accent6">
+              <a:lumMod val="40000"/>
+              <a:lumOff val="60000"/>
+            </a:schemeClr>
+          </a:solidFill>
+        </p:spPr>
+        <p:style>
+          <a:lnRef idx="2">
+            <a:schemeClr val="accent1">
+              <a:shade val="50000"/>
+            </a:schemeClr>
+          </a:lnRef>
+          <a:fillRef idx="1">
+            <a:schemeClr val="accent1"/>
+          </a:fillRef>
+          <a:effectRef idx="0">
+            <a:schemeClr val="accent1"/>
+          </a:effectRef>
+          <a:fontRef idx="minor">
+            <a:schemeClr val="lt1"/>
+          </a:fontRef>
+        </p:style>
+        <p:txBody>
+          <a:bodyPr rtlCol="0" anchor="ctr"/>
+          <a:lstStyle/>
+          <a:p>
+            <a:pPr algn="ctr"/>
+            <a:endParaRPr lang="en-US"/>
+          </a:p>
+        </p:txBody>
+      </p:sp>
+      <p:pic>
+        <p:nvPicPr>
+          <p:cNvPr id="2" name="Graphic 1" descr="Smart Phone">
+            <a:extLst>
+              <a:ext uri="{FF2B5EF4-FFF2-40B4-BE49-F238E27FC236}">
+                <a16:creationId xmlns:a16="http://schemas.microsoft.com/office/drawing/2014/main" id="{362C1BC6-6872-4385-9EC5-BF5565A8851F}"/>
+              </a:ext>
+            </a:extLst>
+          </p:cNvPr>
+          <p:cNvPicPr>
+            <a:picLocks noChangeAspect="1"/>
+          </p:cNvPicPr>
+          <p:nvPr/>
+        </p:nvPicPr>
+        <p:blipFill>
+          <a:blip r:embed="rId2">
+            <a:extLst>
+              <a:ext uri="{96DAC541-7B7A-43D3-8B79-37D633B846F1}">
+                <asvg:svgBlip xmlns:asvg="http://schemas.microsoft.com/office/drawing/2016/SVG/main" r:embed="rId3"/>
+              </a:ext>
+            </a:extLst>
+          </a:blip>
+          <a:stretch>
+            <a:fillRect/>
+          </a:stretch>
+        </p:blipFill>
+        <p:spPr>
+          <a:xfrm>
+            <a:off x="2677864" y="3252209"/>
+            <a:ext cx="518996" cy="366242"/>
+          </a:xfrm>
+          <a:prstGeom prst="rect">
+            <a:avLst/>
+          </a:prstGeom>
+        </p:spPr>
+      </p:pic>
+      <p:pic>
+        <p:nvPicPr>
+          <p:cNvPr id="3" name="Graphic 2" descr="Car">
+            <a:extLst>
+              <a:ext uri="{FF2B5EF4-FFF2-40B4-BE49-F238E27FC236}">
+                <a16:creationId xmlns:a16="http://schemas.microsoft.com/office/drawing/2014/main" id="{02DF0069-EAC8-4E54-B793-2653D773957C}"/>
+              </a:ext>
+            </a:extLst>
+          </p:cNvPr>
+          <p:cNvPicPr>
+            <a:picLocks noChangeAspect="1"/>
+          </p:cNvPicPr>
+          <p:nvPr/>
+        </p:nvPicPr>
+        <p:blipFill>
+          <a:blip r:embed="rId4">
+            <a:extLst>
+              <a:ext uri="{96DAC541-7B7A-43D3-8B79-37D633B846F1}">
+                <asvg:svgBlip xmlns:asvg="http://schemas.microsoft.com/office/drawing/2016/SVG/main" r:embed="rId5"/>
+              </a:ext>
+            </a:extLst>
+          </a:blip>
+          <a:stretch>
+            <a:fillRect/>
+          </a:stretch>
+        </p:blipFill>
+        <p:spPr>
+          <a:xfrm>
+            <a:off x="1621949" y="3158512"/>
+            <a:ext cx="1183647" cy="1076526"/>
+          </a:xfrm>
+          <a:prstGeom prst="rect">
+            <a:avLst/>
+          </a:prstGeom>
+        </p:spPr>
+      </p:pic>
+      <p:pic>
+        <p:nvPicPr>
+          <p:cNvPr id="4" name="Graphic 3" descr="City">
+            <a:extLst>
+              <a:ext uri="{FF2B5EF4-FFF2-40B4-BE49-F238E27FC236}">
+                <a16:creationId xmlns:a16="http://schemas.microsoft.com/office/drawing/2014/main" id="{60E9FC3F-7D0C-453A-968B-8C8CFB26E037}"/>
+              </a:ext>
+            </a:extLst>
+          </p:cNvPr>
+          <p:cNvPicPr>
+            <a:picLocks noChangeAspect="1"/>
+          </p:cNvPicPr>
+          <p:nvPr/>
+        </p:nvPicPr>
+        <p:blipFill>
+          <a:blip r:embed="rId6">
+            <a:extLst>
+              <a:ext uri="{96DAC541-7B7A-43D3-8B79-37D633B846F1}">
+                <asvg:svgBlip xmlns:asvg="http://schemas.microsoft.com/office/drawing/2016/SVG/main" r:embed="rId7"/>
+              </a:ext>
+            </a:extLst>
+          </a:blip>
+          <a:stretch>
+            <a:fillRect/>
+          </a:stretch>
+        </p:blipFill>
+        <p:spPr>
+          <a:xfrm>
+            <a:off x="4843089" y="1514520"/>
+            <a:ext cx="2224040" cy="2127152"/>
+          </a:xfrm>
+          <a:prstGeom prst="rect">
+            <a:avLst/>
+          </a:prstGeom>
+        </p:spPr>
+      </p:pic>
+      <p:pic>
+        <p:nvPicPr>
+          <p:cNvPr id="5" name="Graphic 4" descr="Line Arrow: Clockwise curve">
+            <a:extLst>
+              <a:ext uri="{FF2B5EF4-FFF2-40B4-BE49-F238E27FC236}">
+                <a16:creationId xmlns:a16="http://schemas.microsoft.com/office/drawing/2014/main" id="{FD024C59-1A8C-4EFA-9ACB-6C56F79F52C8}"/>
               </a:ext>
             </a:extLst>
           </p:cNvPr>
@@ -4451,9 +6322,6 @@
         <p:blipFill>
           <a:blip r:embed="rId8">
             <a:extLst>
-              <a:ext uri="{28A0092B-C50C-407E-A947-70E740481C1C}">
-                <a14:useLocalDpi xmlns:a14="http://schemas.microsoft.com/office/drawing/2010/main" val="0"/>
-              </a:ext>
               <a:ext uri="{96DAC541-7B7A-43D3-8B79-37D633B846F1}">
                 <asvg:svgBlip xmlns:asvg="http://schemas.microsoft.com/office/drawing/2016/SVG/main" r:embed="rId9"/>
               </a:ext>
@@ -4464,9 +6332,9 @@
           </a:stretch>
         </p:blipFill>
         <p:spPr>
-          <a:xfrm>
-            <a:off x="9191446" y="3933113"/>
-            <a:ext cx="436741" cy="436741"/>
+          <a:xfrm rot="5199078">
+            <a:off x="3435491" y="1772473"/>
+            <a:ext cx="914400" cy="1721712"/>
           </a:xfrm>
           <a:prstGeom prst="rect">
             <a:avLst/>
@@ -4475,10 +6343,10 @@
       </p:pic>
       <p:pic>
         <p:nvPicPr>
-          <p:cNvPr id="36" name="Graphic 35" descr="Coins">
-            <a:extLst>
-              <a:ext uri="{FF2B5EF4-FFF2-40B4-BE49-F238E27FC236}">
-                <a16:creationId xmlns:a16="http://schemas.microsoft.com/office/drawing/2014/main" id="{16F8CAFC-F95C-4C1D-801A-D9796DF63597}"/>
+          <p:cNvPr id="6" name="Graphic 5" descr="Marker">
+            <a:extLst>
+              <a:ext uri="{FF2B5EF4-FFF2-40B4-BE49-F238E27FC236}">
+                <a16:creationId xmlns:a16="http://schemas.microsoft.com/office/drawing/2014/main" id="{F90F141B-67E9-4498-8ED3-06B69478EA5D}"/>
               </a:ext>
             </a:extLst>
           </p:cNvPr>
@@ -4488,13 +6356,10 @@
           <p:nvPr/>
         </p:nvPicPr>
         <p:blipFill>
-          <a:blip r:embed="rId4">
-            <a:extLst>
-              <a:ext uri="{28A0092B-C50C-407E-A947-70E740481C1C}">
-                <a14:useLocalDpi xmlns:a14="http://schemas.microsoft.com/office/drawing/2010/main" val="0"/>
-              </a:ext>
+          <a:blip r:embed="rId10">
+            <a:extLst>
               <a:ext uri="{96DAC541-7B7A-43D3-8B79-37D633B846F1}">
-                <asvg:svgBlip xmlns:asvg="http://schemas.microsoft.com/office/drawing/2016/SVG/main" r:embed="rId5"/>
+                <asvg:svgBlip xmlns:asvg="http://schemas.microsoft.com/office/drawing/2016/SVG/main" r:embed="rId11"/>
               </a:ext>
             </a:extLst>
           </a:blip>
@@ -4504,8 +6369,8 @@
         </p:blipFill>
         <p:spPr>
           <a:xfrm>
-            <a:off x="2540171" y="3635290"/>
-            <a:ext cx="559067" cy="559067"/>
+            <a:off x="3615832" y="2561400"/>
+            <a:ext cx="553718" cy="553718"/>
           </a:xfrm>
           <a:prstGeom prst="rect">
             <a:avLst/>
@@ -4514,10 +6379,10 @@
       </p:pic>
       <p:pic>
         <p:nvPicPr>
-          <p:cNvPr id="37" name="Graphic 36" descr="Upward trend">
-            <a:extLst>
-              <a:ext uri="{FF2B5EF4-FFF2-40B4-BE49-F238E27FC236}">
-                <a16:creationId xmlns:a16="http://schemas.microsoft.com/office/drawing/2014/main" id="{D2DE35C8-6F75-4CAF-89FA-A9917A126058}"/>
+          <p:cNvPr id="11" name="Graphic 10" descr="High Voltage">
+            <a:extLst>
+              <a:ext uri="{FF2B5EF4-FFF2-40B4-BE49-F238E27FC236}">
+                <a16:creationId xmlns:a16="http://schemas.microsoft.com/office/drawing/2014/main" id="{C0A1E4B7-8358-4057-A874-70F26A63630C}"/>
               </a:ext>
             </a:extLst>
           </p:cNvPr>
@@ -4527,13 +6392,10 @@
           <p:nvPr/>
         </p:nvPicPr>
         <p:blipFill>
-          <a:blip r:embed="rId6">
-            <a:extLst>
-              <a:ext uri="{28A0092B-C50C-407E-A947-70E740481C1C}">
-                <a14:useLocalDpi xmlns:a14="http://schemas.microsoft.com/office/drawing/2010/main" val="0"/>
-              </a:ext>
+          <a:blip r:embed="rId12">
+            <a:extLst>
               <a:ext uri="{96DAC541-7B7A-43D3-8B79-37D633B846F1}">
-                <asvg:svgBlip xmlns:asvg="http://schemas.microsoft.com/office/drawing/2016/SVG/main" r:embed="rId7"/>
+                <asvg:svgBlip xmlns:asvg="http://schemas.microsoft.com/office/drawing/2016/SVG/main" r:embed="rId13"/>
               </a:ext>
             </a:extLst>
           </a:blip>
@@ -4543,8 +6405,655 @@
         </p:blipFill>
         <p:spPr>
           <a:xfrm>
-            <a:off x="2849785" y="4290126"/>
-            <a:ext cx="559067" cy="559067"/>
+            <a:off x="1902532" y="3077744"/>
+            <a:ext cx="361961" cy="361961"/>
+          </a:xfrm>
+          <a:prstGeom prst="rect">
+            <a:avLst/>
+          </a:prstGeom>
+        </p:spPr>
+      </p:pic>
+      <p:pic>
+        <p:nvPicPr>
+          <p:cNvPr id="13" name="Graphic 12" descr="Factory">
+            <a:extLst>
+              <a:ext uri="{FF2B5EF4-FFF2-40B4-BE49-F238E27FC236}">
+                <a16:creationId xmlns:a16="http://schemas.microsoft.com/office/drawing/2014/main" id="{8117D49F-2CA5-4BDF-BAF9-DAC2EFD4BC88}"/>
+              </a:ext>
+            </a:extLst>
+          </p:cNvPr>
+          <p:cNvPicPr>
+            <a:picLocks noChangeAspect="1"/>
+          </p:cNvPicPr>
+          <p:nvPr/>
+        </p:nvPicPr>
+        <p:blipFill>
+          <a:blip r:embed="rId14">
+            <a:extLst>
+              <a:ext uri="{96DAC541-7B7A-43D3-8B79-37D633B846F1}">
+                <asvg:svgBlip xmlns:asvg="http://schemas.microsoft.com/office/drawing/2016/SVG/main" r:embed="rId15"/>
+              </a:ext>
+            </a:extLst>
+          </a:blip>
+          <a:stretch>
+            <a:fillRect/>
+          </a:stretch>
+        </p:blipFill>
+        <p:spPr>
+          <a:xfrm>
+            <a:off x="9021589" y="4495806"/>
+            <a:ext cx="976346" cy="976346"/>
+          </a:xfrm>
+          <a:prstGeom prst="rect">
+            <a:avLst/>
+          </a:prstGeom>
+        </p:spPr>
+      </p:pic>
+      <p:pic>
+        <p:nvPicPr>
+          <p:cNvPr id="14" name="Graphic 13" descr="Upward trend">
+            <a:extLst>
+              <a:ext uri="{FF2B5EF4-FFF2-40B4-BE49-F238E27FC236}">
+                <a16:creationId xmlns:a16="http://schemas.microsoft.com/office/drawing/2014/main" id="{D5501448-D487-4677-97A1-9CC2A29C01F9}"/>
+              </a:ext>
+            </a:extLst>
+          </p:cNvPr>
+          <p:cNvPicPr>
+            <a:picLocks noChangeAspect="1"/>
+          </p:cNvPicPr>
+          <p:nvPr/>
+        </p:nvPicPr>
+        <p:blipFill>
+          <a:blip r:embed="rId16">
+            <a:extLst>
+              <a:ext uri="{96DAC541-7B7A-43D3-8B79-37D633B846F1}">
+                <asvg:svgBlip xmlns:asvg="http://schemas.microsoft.com/office/drawing/2016/SVG/main" r:embed="rId17"/>
+              </a:ext>
+            </a:extLst>
+          </a:blip>
+          <a:stretch>
+            <a:fillRect/>
+          </a:stretch>
+        </p:blipFill>
+        <p:spPr>
+          <a:xfrm>
+            <a:off x="7961951" y="3532115"/>
+            <a:ext cx="559775" cy="559775"/>
+          </a:xfrm>
+          <a:prstGeom prst="rect">
+            <a:avLst/>
+          </a:prstGeom>
+        </p:spPr>
+      </p:pic>
+      <p:pic>
+        <p:nvPicPr>
+          <p:cNvPr id="16" name="Graphic 15" descr="Sun">
+            <a:extLst>
+              <a:ext uri="{FF2B5EF4-FFF2-40B4-BE49-F238E27FC236}">
+                <a16:creationId xmlns:a16="http://schemas.microsoft.com/office/drawing/2014/main" id="{B884F683-9A36-4A01-87E4-894EBF0DEFCC}"/>
+              </a:ext>
+            </a:extLst>
+          </p:cNvPr>
+          <p:cNvPicPr>
+            <a:picLocks noChangeAspect="1"/>
+          </p:cNvPicPr>
+          <p:nvPr/>
+        </p:nvPicPr>
+        <p:blipFill>
+          <a:blip r:embed="rId18">
+            <a:extLst>
+              <a:ext uri="{96DAC541-7B7A-43D3-8B79-37D633B846F1}">
+                <asvg:svgBlip xmlns:asvg="http://schemas.microsoft.com/office/drawing/2016/SVG/main" r:embed="rId19"/>
+              </a:ext>
+            </a:extLst>
+          </a:blip>
+          <a:stretch>
+            <a:fillRect/>
+          </a:stretch>
+        </p:blipFill>
+        <p:spPr>
+          <a:xfrm>
+            <a:off x="9711443" y="4134754"/>
+            <a:ext cx="742233" cy="742233"/>
+          </a:xfrm>
+          <a:prstGeom prst="rect">
+            <a:avLst/>
+          </a:prstGeom>
+        </p:spPr>
+      </p:pic>
+      <p:sp>
+        <p:nvSpPr>
+          <p:cNvPr id="17" name="Oval 16">
+            <a:extLst>
+              <a:ext uri="{FF2B5EF4-FFF2-40B4-BE49-F238E27FC236}">
+                <a16:creationId xmlns:a16="http://schemas.microsoft.com/office/drawing/2014/main" id="{07EB8872-835C-456E-B627-1EDACB41A5CE}"/>
+              </a:ext>
+            </a:extLst>
+          </p:cNvPr>
+          <p:cNvSpPr/>
+          <p:nvPr/>
+        </p:nvSpPr>
+        <p:spPr>
+          <a:xfrm>
+            <a:off x="8943690" y="4028254"/>
+            <a:ext cx="1890346" cy="1767444"/>
+          </a:xfrm>
+          <a:prstGeom prst="ellipse">
+            <a:avLst/>
+          </a:prstGeom>
+          <a:noFill/>
+          <a:ln w="34925">
+            <a:solidFill>
+              <a:schemeClr val="bg1"/>
+            </a:solidFill>
+          </a:ln>
+        </p:spPr>
+        <p:style>
+          <a:lnRef idx="2">
+            <a:schemeClr val="accent1">
+              <a:shade val="50000"/>
+            </a:schemeClr>
+          </a:lnRef>
+          <a:fillRef idx="1">
+            <a:schemeClr val="accent1"/>
+          </a:fillRef>
+          <a:effectRef idx="0">
+            <a:schemeClr val="accent1"/>
+          </a:effectRef>
+          <a:fontRef idx="minor">
+            <a:schemeClr val="lt1"/>
+          </a:fontRef>
+        </p:style>
+        <p:txBody>
+          <a:bodyPr rtlCol="0" anchor="ctr"/>
+          <a:lstStyle/>
+          <a:p>
+            <a:pPr algn="ctr"/>
+            <a:endParaRPr lang="en-US"/>
+          </a:p>
+        </p:txBody>
+      </p:sp>
+      <p:pic>
+        <p:nvPicPr>
+          <p:cNvPr id="19" name="Graphic 18" descr="Line Arrow: Clockwise curve">
+            <a:extLst>
+              <a:ext uri="{FF2B5EF4-FFF2-40B4-BE49-F238E27FC236}">
+                <a16:creationId xmlns:a16="http://schemas.microsoft.com/office/drawing/2014/main" id="{8123466A-008F-47AA-92C7-8F8E84F44DA9}"/>
+              </a:ext>
+            </a:extLst>
+          </p:cNvPr>
+          <p:cNvPicPr>
+            <a:picLocks noChangeAspect="1"/>
+          </p:cNvPicPr>
+          <p:nvPr/>
+        </p:nvPicPr>
+        <p:blipFill>
+          <a:blip r:embed="rId8">
+            <a:extLst>
+              <a:ext uri="{96DAC541-7B7A-43D3-8B79-37D633B846F1}">
+                <asvg:svgBlip xmlns:asvg="http://schemas.microsoft.com/office/drawing/2016/SVG/main" r:embed="rId9"/>
+              </a:ext>
+            </a:extLst>
+          </a:blip>
+          <a:stretch>
+            <a:fillRect/>
+          </a:stretch>
+        </p:blipFill>
+        <p:spPr>
+          <a:xfrm rot="17983475">
+            <a:off x="7631706" y="3971770"/>
+            <a:ext cx="914400" cy="1721712"/>
+          </a:xfrm>
+          <a:prstGeom prst="rect">
+            <a:avLst/>
+          </a:prstGeom>
+        </p:spPr>
+      </p:pic>
+      <p:pic>
+        <p:nvPicPr>
+          <p:cNvPr id="20" name="Graphic 19" descr="High Voltage">
+            <a:extLst>
+              <a:ext uri="{FF2B5EF4-FFF2-40B4-BE49-F238E27FC236}">
+                <a16:creationId xmlns:a16="http://schemas.microsoft.com/office/drawing/2014/main" id="{50948225-78D1-454A-91A1-7D31947BE67A}"/>
+              </a:ext>
+            </a:extLst>
+          </p:cNvPr>
+          <p:cNvPicPr>
+            <a:picLocks noChangeAspect="1"/>
+          </p:cNvPicPr>
+          <p:nvPr/>
+        </p:nvPicPr>
+        <p:blipFill>
+          <a:blip r:embed="rId12">
+            <a:extLst>
+              <a:ext uri="{96DAC541-7B7A-43D3-8B79-37D633B846F1}">
+                <asvg:svgBlip xmlns:asvg="http://schemas.microsoft.com/office/drawing/2016/SVG/main" r:embed="rId13"/>
+              </a:ext>
+            </a:extLst>
+          </a:blip>
+          <a:stretch>
+            <a:fillRect/>
+          </a:stretch>
+        </p:blipFill>
+        <p:spPr>
+          <a:xfrm>
+            <a:off x="8051868" y="4532009"/>
+            <a:ext cx="361961" cy="361961"/>
+          </a:xfrm>
+          <a:prstGeom prst="rect">
+            <a:avLst/>
+          </a:prstGeom>
+        </p:spPr>
+      </p:pic>
+      <p:pic>
+        <p:nvPicPr>
+          <p:cNvPr id="21" name="Graphic 20" descr="Line Arrow: Clockwise curve">
+            <a:extLst>
+              <a:ext uri="{FF2B5EF4-FFF2-40B4-BE49-F238E27FC236}">
+                <a16:creationId xmlns:a16="http://schemas.microsoft.com/office/drawing/2014/main" id="{9C742653-718B-4E3A-8BD2-9BA14747F9DC}"/>
+              </a:ext>
+            </a:extLst>
+          </p:cNvPr>
+          <p:cNvPicPr>
+            <a:picLocks noChangeAspect="1"/>
+          </p:cNvPicPr>
+          <p:nvPr/>
+        </p:nvPicPr>
+        <p:blipFill>
+          <a:blip r:embed="rId8">
+            <a:extLst>
+              <a:ext uri="{96DAC541-7B7A-43D3-8B79-37D633B846F1}">
+                <asvg:svgBlip xmlns:asvg="http://schemas.microsoft.com/office/drawing/2016/SVG/main" r:embed="rId9"/>
+              </a:ext>
+            </a:extLst>
+          </a:blip>
+          <a:stretch>
+            <a:fillRect/>
+          </a:stretch>
+        </p:blipFill>
+        <p:spPr>
+          <a:xfrm rot="7206727">
+            <a:off x="7775650" y="3365199"/>
+            <a:ext cx="914400" cy="1721712"/>
+          </a:xfrm>
+          <a:prstGeom prst="rect">
+            <a:avLst/>
+          </a:prstGeom>
+        </p:spPr>
+      </p:pic>
+      <p:pic>
+        <p:nvPicPr>
+          <p:cNvPr id="23" name="Graphic 22" descr="Call center">
+            <a:extLst>
+              <a:ext uri="{FF2B5EF4-FFF2-40B4-BE49-F238E27FC236}">
+                <a16:creationId xmlns:a16="http://schemas.microsoft.com/office/drawing/2014/main" id="{C253BC56-DFAE-43AC-8F77-D6363BFBC2EB}"/>
+              </a:ext>
+            </a:extLst>
+          </p:cNvPr>
+          <p:cNvPicPr>
+            <a:picLocks noChangeAspect="1"/>
+          </p:cNvPicPr>
+          <p:nvPr/>
+        </p:nvPicPr>
+        <p:blipFill>
+          <a:blip r:embed="rId20">
+            <a:extLst>
+              <a:ext uri="{96DAC541-7B7A-43D3-8B79-37D633B846F1}">
+                <asvg:svgBlip xmlns:asvg="http://schemas.microsoft.com/office/drawing/2016/SVG/main" r:embed="rId21"/>
+              </a:ext>
+            </a:extLst>
+          </a:blip>
+          <a:stretch>
+            <a:fillRect/>
+          </a:stretch>
+        </p:blipFill>
+        <p:spPr>
+          <a:xfrm>
+            <a:off x="8903803" y="454696"/>
+            <a:ext cx="914400" cy="914400"/>
+          </a:xfrm>
+          <a:prstGeom prst="rect">
+            <a:avLst/>
+          </a:prstGeom>
+        </p:spPr>
+      </p:pic>
+      <p:pic>
+        <p:nvPicPr>
+          <p:cNvPr id="24" name="Graphic 23" descr="Computer">
+            <a:extLst>
+              <a:ext uri="{FF2B5EF4-FFF2-40B4-BE49-F238E27FC236}">
+                <a16:creationId xmlns:a16="http://schemas.microsoft.com/office/drawing/2014/main" id="{C106BC72-EDA9-41BB-B47A-92A4387298A7}"/>
+              </a:ext>
+            </a:extLst>
+          </p:cNvPr>
+          <p:cNvPicPr>
+            <a:picLocks noChangeAspect="1"/>
+          </p:cNvPicPr>
+          <p:nvPr/>
+        </p:nvPicPr>
+        <p:blipFill>
+          <a:blip r:embed="rId22">
+            <a:extLst>
+              <a:ext uri="{96DAC541-7B7A-43D3-8B79-37D633B846F1}">
+                <asvg:svgBlip xmlns:asvg="http://schemas.microsoft.com/office/drawing/2016/SVG/main" r:embed="rId23"/>
+              </a:ext>
+            </a:extLst>
+          </a:blip>
+          <a:stretch>
+            <a:fillRect/>
+          </a:stretch>
+        </p:blipFill>
+        <p:spPr>
+          <a:xfrm>
+            <a:off x="8961670" y="1172531"/>
+            <a:ext cx="914400" cy="914400"/>
+          </a:xfrm>
+          <a:prstGeom prst="rect">
+            <a:avLst/>
+          </a:prstGeom>
+        </p:spPr>
+      </p:pic>
+      <p:pic>
+        <p:nvPicPr>
+          <p:cNvPr id="25" name="Graphic 24" descr="Line Arrow: Clockwise curve">
+            <a:extLst>
+              <a:ext uri="{FF2B5EF4-FFF2-40B4-BE49-F238E27FC236}">
+                <a16:creationId xmlns:a16="http://schemas.microsoft.com/office/drawing/2014/main" id="{96A40A05-CB54-4929-9D0A-60E5B3DAC1B6}"/>
+              </a:ext>
+            </a:extLst>
+          </p:cNvPr>
+          <p:cNvPicPr>
+            <a:picLocks noChangeAspect="1"/>
+          </p:cNvPicPr>
+          <p:nvPr/>
+        </p:nvPicPr>
+        <p:blipFill>
+          <a:blip r:embed="rId8">
+            <a:extLst>
+              <a:ext uri="{96DAC541-7B7A-43D3-8B79-37D633B846F1}">
+                <asvg:svgBlip xmlns:asvg="http://schemas.microsoft.com/office/drawing/2016/SVG/main" r:embed="rId9"/>
+              </a:ext>
+            </a:extLst>
+          </a:blip>
+          <a:stretch>
+            <a:fillRect/>
+          </a:stretch>
+        </p:blipFill>
+        <p:spPr>
+          <a:xfrm rot="5194591">
+            <a:off x="7669347" y="809878"/>
+            <a:ext cx="914400" cy="1721712"/>
+          </a:xfrm>
+          <a:prstGeom prst="rect">
+            <a:avLst/>
+          </a:prstGeom>
+        </p:spPr>
+      </p:pic>
+      <p:pic>
+        <p:nvPicPr>
+          <p:cNvPr id="26" name="Graphic 25" descr="Line Arrow: Clockwise curve">
+            <a:extLst>
+              <a:ext uri="{FF2B5EF4-FFF2-40B4-BE49-F238E27FC236}">
+                <a16:creationId xmlns:a16="http://schemas.microsoft.com/office/drawing/2014/main" id="{5B5D8881-550D-47DC-87D5-D84CE16F62DD}"/>
+              </a:ext>
+            </a:extLst>
+          </p:cNvPr>
+          <p:cNvPicPr>
+            <a:picLocks noChangeAspect="1"/>
+          </p:cNvPicPr>
+          <p:nvPr/>
+        </p:nvPicPr>
+        <p:blipFill>
+          <a:blip r:embed="rId8">
+            <a:extLst>
+              <a:ext uri="{96DAC541-7B7A-43D3-8B79-37D633B846F1}">
+                <asvg:svgBlip xmlns:asvg="http://schemas.microsoft.com/office/drawing/2016/SVG/main" r:embed="rId9"/>
+              </a:ext>
+            </a:extLst>
+          </a:blip>
+          <a:stretch>
+            <a:fillRect/>
+          </a:stretch>
+        </p:blipFill>
+        <p:spPr>
+          <a:xfrm rot="15950300">
+            <a:off x="7677313" y="1389129"/>
+            <a:ext cx="914400" cy="1721712"/>
+          </a:xfrm>
+          <a:prstGeom prst="rect">
+            <a:avLst/>
+          </a:prstGeom>
+        </p:spPr>
+      </p:pic>
+      <p:pic>
+        <p:nvPicPr>
+          <p:cNvPr id="27" name="Graphic 26" descr="Money">
+            <a:extLst>
+              <a:ext uri="{FF2B5EF4-FFF2-40B4-BE49-F238E27FC236}">
+                <a16:creationId xmlns:a16="http://schemas.microsoft.com/office/drawing/2014/main" id="{77D6117F-EA7E-448F-8903-CC34BB11D47D}"/>
+              </a:ext>
+            </a:extLst>
+          </p:cNvPr>
+          <p:cNvPicPr>
+            <a:picLocks noChangeAspect="1"/>
+          </p:cNvPicPr>
+          <p:nvPr/>
+        </p:nvPicPr>
+        <p:blipFill>
+          <a:blip r:embed="rId24">
+            <a:extLst>
+              <a:ext uri="{96DAC541-7B7A-43D3-8B79-37D633B846F1}">
+                <asvg:svgBlip xmlns:asvg="http://schemas.microsoft.com/office/drawing/2016/SVG/main" r:embed="rId25"/>
+              </a:ext>
+            </a:extLst>
+          </a:blip>
+          <a:stretch>
+            <a:fillRect/>
+          </a:stretch>
+        </p:blipFill>
+        <p:spPr>
+          <a:xfrm>
+            <a:off x="7859595" y="1060458"/>
+            <a:ext cx="460584" cy="460584"/>
+          </a:xfrm>
+          <a:prstGeom prst="rect">
+            <a:avLst/>
+          </a:prstGeom>
+        </p:spPr>
+      </p:pic>
+      <p:pic>
+        <p:nvPicPr>
+          <p:cNvPr id="28" name="Graphic 27" descr="Tools">
+            <a:extLst>
+              <a:ext uri="{FF2B5EF4-FFF2-40B4-BE49-F238E27FC236}">
+                <a16:creationId xmlns:a16="http://schemas.microsoft.com/office/drawing/2014/main" id="{859C4165-344B-4B63-BE4C-E371663A1F5C}"/>
+              </a:ext>
+            </a:extLst>
+          </p:cNvPr>
+          <p:cNvPicPr>
+            <a:picLocks noChangeAspect="1"/>
+          </p:cNvPicPr>
+          <p:nvPr/>
+        </p:nvPicPr>
+        <p:blipFill>
+          <a:blip r:embed="rId26">
+            <a:extLst>
+              <a:ext uri="{96DAC541-7B7A-43D3-8B79-37D633B846F1}">
+                <asvg:svgBlip xmlns:asvg="http://schemas.microsoft.com/office/drawing/2016/SVG/main" r:embed="rId27"/>
+              </a:ext>
+            </a:extLst>
+          </a:blip>
+          <a:stretch>
+            <a:fillRect/>
+          </a:stretch>
+        </p:blipFill>
+        <p:spPr>
+          <a:xfrm>
+            <a:off x="7960233" y="1899700"/>
+            <a:ext cx="356787" cy="356787"/>
+          </a:xfrm>
+          <a:prstGeom prst="rect">
+            <a:avLst/>
+          </a:prstGeom>
+        </p:spPr>
+      </p:pic>
+      <p:sp>
+        <p:nvSpPr>
+          <p:cNvPr id="29" name="Oval 28">
+            <a:extLst>
+              <a:ext uri="{FF2B5EF4-FFF2-40B4-BE49-F238E27FC236}">
+                <a16:creationId xmlns:a16="http://schemas.microsoft.com/office/drawing/2014/main" id="{9D01E91B-0826-4283-9D90-EB2F3949346D}"/>
+              </a:ext>
+            </a:extLst>
+          </p:cNvPr>
+          <p:cNvSpPr/>
+          <p:nvPr/>
+        </p:nvSpPr>
+        <p:spPr>
+          <a:xfrm>
+            <a:off x="8961670" y="3988598"/>
+            <a:ext cx="1890346" cy="1767444"/>
+          </a:xfrm>
+          <a:prstGeom prst="ellipse">
+            <a:avLst/>
+          </a:prstGeom>
+          <a:noFill/>
+          <a:ln w="34925">
+            <a:solidFill>
+              <a:schemeClr val="tx1"/>
+            </a:solidFill>
+          </a:ln>
+        </p:spPr>
+        <p:style>
+          <a:lnRef idx="2">
+            <a:schemeClr val="accent1">
+              <a:shade val="50000"/>
+            </a:schemeClr>
+          </a:lnRef>
+          <a:fillRef idx="1">
+            <a:schemeClr val="accent1"/>
+          </a:fillRef>
+          <a:effectRef idx="0">
+            <a:schemeClr val="accent1"/>
+          </a:effectRef>
+          <a:fontRef idx="minor">
+            <a:schemeClr val="lt1"/>
+          </a:fontRef>
+        </p:style>
+        <p:txBody>
+          <a:bodyPr rtlCol="0" anchor="ctr"/>
+          <a:lstStyle/>
+          <a:p>
+            <a:pPr algn="ctr"/>
+            <a:endParaRPr lang="en-US"/>
+          </a:p>
+        </p:txBody>
+      </p:sp>
+      <p:pic>
+        <p:nvPicPr>
+          <p:cNvPr id="31" name="Graphic 30" descr="House">
+            <a:extLst>
+              <a:ext uri="{FF2B5EF4-FFF2-40B4-BE49-F238E27FC236}">
+                <a16:creationId xmlns:a16="http://schemas.microsoft.com/office/drawing/2014/main" id="{A3ADB7A6-C5A9-4F6C-AF95-DE214910FEC2}"/>
+              </a:ext>
+            </a:extLst>
+          </p:cNvPr>
+          <p:cNvPicPr>
+            <a:picLocks noChangeAspect="1"/>
+          </p:cNvPicPr>
+          <p:nvPr/>
+        </p:nvPicPr>
+        <p:blipFill>
+          <a:blip r:embed="rId28">
+            <a:extLst>
+              <a:ext uri="{28A0092B-C50C-407E-A947-70E740481C1C}">
+                <a14:useLocalDpi xmlns:a14="http://schemas.microsoft.com/office/drawing/2010/main" val="0"/>
+              </a:ext>
+              <a:ext uri="{96DAC541-7B7A-43D3-8B79-37D633B846F1}">
+                <asvg:svgBlip xmlns:asvg="http://schemas.microsoft.com/office/drawing/2016/SVG/main" r:embed="rId29"/>
+              </a:ext>
+            </a:extLst>
+          </a:blip>
+          <a:stretch>
+            <a:fillRect/>
+          </a:stretch>
+        </p:blipFill>
+        <p:spPr>
+          <a:xfrm>
+            <a:off x="5560694" y="3902193"/>
+            <a:ext cx="914400" cy="914400"/>
+          </a:xfrm>
+          <a:prstGeom prst="rect">
+            <a:avLst/>
+          </a:prstGeom>
+        </p:spPr>
+      </p:pic>
+      <p:pic>
+        <p:nvPicPr>
+          <p:cNvPr id="32" name="Graphic 31" descr="Line Arrow: Clockwise curve">
+            <a:extLst>
+              <a:ext uri="{FF2B5EF4-FFF2-40B4-BE49-F238E27FC236}">
+                <a16:creationId xmlns:a16="http://schemas.microsoft.com/office/drawing/2014/main" id="{EFE31888-6ED0-4EF5-B2FF-553601B94050}"/>
+              </a:ext>
+            </a:extLst>
+          </p:cNvPr>
+          <p:cNvPicPr>
+            <a:picLocks noChangeAspect="1"/>
+          </p:cNvPicPr>
+          <p:nvPr/>
+        </p:nvPicPr>
+        <p:blipFill>
+          <a:blip r:embed="rId8">
+            <a:extLst>
+              <a:ext uri="{96DAC541-7B7A-43D3-8B79-37D633B846F1}">
+                <asvg:svgBlip xmlns:asvg="http://schemas.microsoft.com/office/drawing/2016/SVG/main" r:embed="rId9"/>
+              </a:ext>
+            </a:extLst>
+          </a:blip>
+          <a:stretch>
+            <a:fillRect/>
+          </a:stretch>
+        </p:blipFill>
+        <p:spPr>
+          <a:xfrm rot="16506487" flipV="1">
+            <a:off x="3435491" y="3402554"/>
+            <a:ext cx="914400" cy="1721712"/>
+          </a:xfrm>
+          <a:prstGeom prst="rect">
+            <a:avLst/>
+          </a:prstGeom>
+        </p:spPr>
+      </p:pic>
+      <p:pic>
+        <p:nvPicPr>
+          <p:cNvPr id="33" name="Graphic 32" descr="Marker">
+            <a:extLst>
+              <a:ext uri="{FF2B5EF4-FFF2-40B4-BE49-F238E27FC236}">
+                <a16:creationId xmlns:a16="http://schemas.microsoft.com/office/drawing/2014/main" id="{CD09FD21-D9DF-453A-B0A0-1D21A30F1A4A}"/>
+              </a:ext>
+            </a:extLst>
+          </p:cNvPr>
+          <p:cNvPicPr>
+            <a:picLocks noChangeAspect="1"/>
+          </p:cNvPicPr>
+          <p:nvPr/>
+        </p:nvPicPr>
+        <p:blipFill>
+          <a:blip r:embed="rId10">
+            <a:extLst>
+              <a:ext uri="{96DAC541-7B7A-43D3-8B79-37D633B846F1}">
+                <asvg:svgBlip xmlns:asvg="http://schemas.microsoft.com/office/drawing/2016/SVG/main" r:embed="rId11"/>
+              </a:ext>
+            </a:extLst>
+          </a:blip>
+          <a:stretch>
+            <a:fillRect/>
+          </a:stretch>
+        </p:blipFill>
+        <p:spPr>
+          <a:xfrm>
+            <a:off x="3615832" y="3816502"/>
+            <a:ext cx="553718" cy="553718"/>
           </a:xfrm>
           <a:prstGeom prst="rect">
             <a:avLst/>
@@ -4554,7 +7063,7 @@
     </p:spTree>
     <p:extLst>
       <p:ext uri="{BB962C8B-B14F-4D97-AF65-F5344CB8AC3E}">
-        <p14:creationId xmlns:p14="http://schemas.microsoft.com/office/powerpoint/2010/main" val="2320209655"/>
+        <p14:creationId xmlns:p14="http://schemas.microsoft.com/office/powerpoint/2010/main" val="663249587"/>
       </p:ext>
     </p:extLst>
   </p:cSld>
